--- a/Group members pics.pptx
+++ b/Group members pics.pptx
@@ -115,9 +115,46 @@
 <file path=ppt/revisionInfo.xml><?xml version="1.0" encoding="utf-8"?>
 <p1510:revInfo xmlns:a="http://schemas.openxmlformats.org/drawingml/2006/main" xmlns:r="http://schemas.openxmlformats.org/officeDocument/2006/relationships" xmlns:p1510="http://schemas.microsoft.com/office/powerpoint/2015/10/main">
   <p1510:revLst>
-    <p1510:client id="{DEE2F244-7F73-97ED-936F-64EB471DA734}" v="119" dt="2025-12-10T22:57:11.628"/>
+    <p1510:client id="{40BBB97A-9056-4008-858D-A699350A1452}" v="2" dt="2025-12-10T23:12:21.977"/>
   </p1510:revLst>
 </p1510:revInfo>
+</file>
+
+<file path=ppt/changesInfos/changesInfo1.xml><?xml version="1.0" encoding="utf-8"?>
+<pc:chgInfo xmlns:a="http://schemas.openxmlformats.org/drawingml/2006/main" xmlns:r="http://schemas.openxmlformats.org/officeDocument/2006/relationships" xmlns:ac="http://schemas.microsoft.com/office/drawing/2013/main/command" xmlns:pc="http://schemas.microsoft.com/office/powerpoint/2013/main/command">
+  <pc:docChgLst>
+    <pc:chgData name="Evan Jolette" userId="bc30d17129d9a724" providerId="LiveId" clId="{EBB92A94-6BB8-442D-AC04-03C6C233BC1F}"/>
+    <pc:docChg chg="undo custSel modSld">
+      <pc:chgData name="Evan Jolette" userId="bc30d17129d9a724" providerId="LiveId" clId="{EBB92A94-6BB8-442D-AC04-03C6C233BC1F}" dt="2025-12-10T23:12:54.187" v="33" actId="1076"/>
+      <pc:docMkLst>
+        <pc:docMk/>
+      </pc:docMkLst>
+      <pc:sldChg chg="addSp modSp mod">
+        <pc:chgData name="Evan Jolette" userId="bc30d17129d9a724" providerId="LiveId" clId="{EBB92A94-6BB8-442D-AC04-03C6C233BC1F}" dt="2025-12-10T23:12:54.187" v="33" actId="1076"/>
+        <pc:sldMkLst>
+          <pc:docMk/>
+          <pc:sldMk cId="2345586356" sldId="256"/>
+        </pc:sldMkLst>
+        <pc:spChg chg="add mod">
+          <ac:chgData name="Evan Jolette" userId="bc30d17129d9a724" providerId="LiveId" clId="{EBB92A94-6BB8-442D-AC04-03C6C233BC1F}" dt="2025-12-10T23:12:54.187" v="33" actId="1076"/>
+          <ac:spMkLst>
+            <pc:docMk/>
+            <pc:sldMk cId="2345586356" sldId="256"/>
+            <ac:spMk id="9" creationId="{D4006928-138A-7649-AF67-FC6D93630A67}"/>
+          </ac:spMkLst>
+        </pc:spChg>
+        <pc:picChg chg="add mod">
+          <ac:chgData name="Evan Jolette" userId="bc30d17129d9a724" providerId="LiveId" clId="{EBB92A94-6BB8-442D-AC04-03C6C233BC1F}" dt="2025-12-10T23:11:55.265" v="17" actId="1076"/>
+          <ac:picMkLst>
+            <pc:docMk/>
+            <pc:sldMk cId="2345586356" sldId="256"/>
+            <ac:picMk id="7" creationId="{F04D6034-C312-4C5E-F1FF-052E0AAE4E73}"/>
+          </ac:picMkLst>
+        </pc:picChg>
+      </pc:sldChg>
+    </pc:docChg>
+  </pc:docChgLst>
+</pc:chgInfo>
 </file>
 
 <file path=ppt/slideLayouts/slideLayout1.xml><?xml version="1.0" encoding="utf-8"?>
@@ -180,6 +217,13 @@
             <a:schemeClr val="lt1"/>
           </a:fontRef>
         </p:style>
+        <p:txBody>
+          <a:bodyPr/>
+          <a:lstStyle/>
+          <a:p>
+            <a:endParaRPr lang="en-CA"/>
+          </a:p>
+        </p:txBody>
       </p:sp>
       <p:sp>
         <p:nvSpPr>
@@ -3101,6 +3145,13 @@
             <a:schemeClr val="lt1"/>
           </a:fontRef>
         </p:style>
+        <p:txBody>
+          <a:bodyPr/>
+          <a:lstStyle/>
+          <a:p>
+            <a:endParaRPr lang="en-CA"/>
+          </a:p>
+        </p:txBody>
       </p:sp>
       <p:sp>
         <p:nvSpPr>
@@ -3890,6 +3941,77 @@
           </a:p>
         </p:txBody>
       </p:sp>
+      <p:pic>
+        <p:nvPicPr>
+          <p:cNvPr id="7" name="Picture 6" descr="A person wearing headphones&#10;&#10;AI-generated content may be incorrect.">
+            <a:extLst>
+              <a:ext uri="{FF2B5EF4-FFF2-40B4-BE49-F238E27FC236}">
+                <a16:creationId xmlns:a16="http://schemas.microsoft.com/office/drawing/2014/main" id="{F04D6034-C312-4C5E-F1FF-052E0AAE4E73}"/>
+              </a:ext>
+            </a:extLst>
+          </p:cNvPr>
+          <p:cNvPicPr>
+            <a:picLocks noChangeAspect="1"/>
+          </p:cNvPicPr>
+          <p:nvPr/>
+        </p:nvPicPr>
+        <p:blipFill>
+          <a:blip r:embed="rId5">
+            <a:extLst>
+              <a:ext uri="{28A0092B-C50C-407E-A947-70E740481C1C}">
+                <a14:useLocalDpi xmlns:a14="http://schemas.microsoft.com/office/drawing/2010/main" val="0"/>
+              </a:ext>
+            </a:extLst>
+          </a:blip>
+          <a:stretch>
+            <a:fillRect/>
+          </a:stretch>
+        </p:blipFill>
+        <p:spPr>
+          <a:xfrm>
+            <a:off x="9766792" y="90316"/>
+            <a:ext cx="2336595" cy="3050136"/>
+          </a:xfrm>
+          <a:prstGeom prst="rect">
+            <a:avLst/>
+          </a:prstGeom>
+        </p:spPr>
+      </p:pic>
+      <p:sp>
+        <p:nvSpPr>
+          <p:cNvPr id="9" name="TextBox 8">
+            <a:extLst>
+              <a:ext uri="{FF2B5EF4-FFF2-40B4-BE49-F238E27FC236}">
+                <a16:creationId xmlns:a16="http://schemas.microsoft.com/office/drawing/2014/main" id="{D4006928-138A-7649-AF67-FC6D93630A67}"/>
+              </a:ext>
+            </a:extLst>
+          </p:cNvPr>
+          <p:cNvSpPr txBox="1"/>
+          <p:nvPr/>
+        </p:nvSpPr>
+        <p:spPr>
+          <a:xfrm>
+            <a:off x="10251761" y="3242391"/>
+            <a:ext cx="1366656" cy="369332"/>
+          </a:xfrm>
+          <a:prstGeom prst="rect">
+            <a:avLst/>
+          </a:prstGeom>
+          <a:noFill/>
+        </p:spPr>
+        <p:txBody>
+          <a:bodyPr wrap="none" rtlCol="0">
+            <a:spAutoFit/>
+          </a:bodyPr>
+          <a:lstStyle/>
+          <a:p>
+            <a:r>
+              <a:rPr lang="en-US" dirty="0"/>
+              <a:t>Evan Jolette</a:t>
+            </a:r>
+          </a:p>
+        </p:txBody>
+      </p:sp>
     </p:spTree>
     <p:extLst>
       <p:ext uri="{BB962C8B-B14F-4D97-AF65-F5344CB8AC3E}">

--- a/Group members pics.pptx
+++ b/Group members pics.pptx
@@ -1,11 +1,11 @@
 
 <file path=ppt/presentation.xml><?xml version="1.0" encoding="utf-8"?>
-<p:presentation xmlns:a="http://schemas.openxmlformats.org/drawingml/2006/main" xmlns:r="http://schemas.openxmlformats.org/officeDocument/2006/relationships" xmlns:p="http://schemas.openxmlformats.org/presentationml/2006/main" saveSubsetFonts="1">
+<p:presentation xmlns:a="http://schemas.openxmlformats.org/drawingml/2006/main" xmlns:r="http://schemas.openxmlformats.org/officeDocument/2006/relationships" xmlns:p="http://schemas.openxmlformats.org/presentationml/2006/main">
   <p:sldMasterIdLst>
-    <p:sldMasterId id="2147483684" r:id="rId1"/>
+    <p:sldMasterId id="2147483648" r:id="rId1"/>
   </p:sldMasterIdLst>
   <p:sldIdLst>
-    <p:sldId id="256" r:id="rId2"/>
+    <p:sldId id="256" r:id="rId3"/>
   </p:sldIdLst>
   <p:sldSz cx="12192000" cy="6858000"/>
   <p:notesSz cx="6858000" cy="9144000"/>
@@ -104,61 +104,11 @@
       </a:defRPr>
     </a:lvl9pPr>
   </p:defaultTextStyle>
-  <p:extLst>
-    <p:ext uri="{EFAFB233-063F-42B5-8137-9DF3F51BA10A}">
-      <p15:sldGuideLst xmlns:p15="http://schemas.microsoft.com/office/powerpoint/2012/main"/>
-    </p:ext>
-  </p:extLst>
 </p:presentation>
 </file>
 
-<file path=ppt/revisionInfo.xml><?xml version="1.0" encoding="utf-8"?>
-<p1510:revInfo xmlns:a="http://schemas.openxmlformats.org/drawingml/2006/main" xmlns:r="http://schemas.openxmlformats.org/officeDocument/2006/relationships" xmlns:p1510="http://schemas.microsoft.com/office/powerpoint/2015/10/main">
-  <p1510:revLst>
-    <p1510:client id="{40BBB97A-9056-4008-858D-A699350A1452}" v="2" dt="2025-12-10T23:12:21.977"/>
-  </p1510:revLst>
-</p1510:revInfo>
-</file>
-
-<file path=ppt/changesInfos/changesInfo1.xml><?xml version="1.0" encoding="utf-8"?>
-<pc:chgInfo xmlns:a="http://schemas.openxmlformats.org/drawingml/2006/main" xmlns:r="http://schemas.openxmlformats.org/officeDocument/2006/relationships" xmlns:ac="http://schemas.microsoft.com/office/drawing/2013/main/command" xmlns:pc="http://schemas.microsoft.com/office/powerpoint/2013/main/command">
-  <pc:docChgLst>
-    <pc:chgData name="Evan Jolette" userId="bc30d17129d9a724" providerId="LiveId" clId="{EBB92A94-6BB8-442D-AC04-03C6C233BC1F}"/>
-    <pc:docChg chg="undo custSel modSld">
-      <pc:chgData name="Evan Jolette" userId="bc30d17129d9a724" providerId="LiveId" clId="{EBB92A94-6BB8-442D-AC04-03C6C233BC1F}" dt="2025-12-10T23:12:54.187" v="33" actId="1076"/>
-      <pc:docMkLst>
-        <pc:docMk/>
-      </pc:docMkLst>
-      <pc:sldChg chg="addSp modSp mod">
-        <pc:chgData name="Evan Jolette" userId="bc30d17129d9a724" providerId="LiveId" clId="{EBB92A94-6BB8-442D-AC04-03C6C233BC1F}" dt="2025-12-10T23:12:54.187" v="33" actId="1076"/>
-        <pc:sldMkLst>
-          <pc:docMk/>
-          <pc:sldMk cId="2345586356" sldId="256"/>
-        </pc:sldMkLst>
-        <pc:spChg chg="add mod">
-          <ac:chgData name="Evan Jolette" userId="bc30d17129d9a724" providerId="LiveId" clId="{EBB92A94-6BB8-442D-AC04-03C6C233BC1F}" dt="2025-12-10T23:12:54.187" v="33" actId="1076"/>
-          <ac:spMkLst>
-            <pc:docMk/>
-            <pc:sldMk cId="2345586356" sldId="256"/>
-            <ac:spMk id="9" creationId="{D4006928-138A-7649-AF67-FC6D93630A67}"/>
-          </ac:spMkLst>
-        </pc:spChg>
-        <pc:picChg chg="add mod">
-          <ac:chgData name="Evan Jolette" userId="bc30d17129d9a724" providerId="LiveId" clId="{EBB92A94-6BB8-442D-AC04-03C6C233BC1F}" dt="2025-12-10T23:11:55.265" v="17" actId="1076"/>
-          <ac:picMkLst>
-            <pc:docMk/>
-            <pc:sldMk cId="2345586356" sldId="256"/>
-            <ac:picMk id="7" creationId="{F04D6034-C312-4C5E-F1FF-052E0AAE4E73}"/>
-          </ac:picMkLst>
-        </pc:picChg>
-      </pc:sldChg>
-    </pc:docChg>
-  </pc:docChgLst>
-</pc:chgInfo>
-</file>
-
 <file path=ppt/slideLayouts/slideLayout1.xml><?xml version="1.0" encoding="utf-8"?>
-<p:sldLayout xmlns:a="http://schemas.openxmlformats.org/drawingml/2006/main" xmlns:r="http://schemas.openxmlformats.org/officeDocument/2006/relationships" xmlns:p="http://schemas.openxmlformats.org/presentationml/2006/main" showMasterSp="0" type="title" preserve="1">
+<p:sldLayout xmlns:a="http://schemas.openxmlformats.org/drawingml/2006/main" xmlns:r="http://schemas.openxmlformats.org/officeDocument/2006/relationships" xmlns:p="http://schemas.openxmlformats.org/presentationml/2006/main" type="title" preserve="1" showMasterSp="0">
   <p:cSld name="Title Slide">
     <p:spTree>
       <p:nvGrpSpPr>
@@ -176,13 +126,7 @@
       </p:grpSpPr>
       <p:sp>
         <p:nvSpPr>
-          <p:cNvPr id="10" name="Rectangle 9">
-            <a:extLst>
-              <a:ext uri="{FF2B5EF4-FFF2-40B4-BE49-F238E27FC236}">
-                <a16:creationId xmlns:a16="http://schemas.microsoft.com/office/drawing/2014/main" id="{09A1C012-8297-4361-ACE8-A2509FB18911}"/>
-              </a:ext>
-            </a:extLst>
-          </p:cNvPr>
+          <p:cNvPr id="10" name="Rectangle 9"/>
           <p:cNvSpPr/>
           <p:nvPr/>
         </p:nvSpPr>
@@ -227,13 +171,7 @@
       </p:sp>
       <p:sp>
         <p:nvSpPr>
-          <p:cNvPr id="2" name="Title 1">
-            <a:extLst>
-              <a:ext uri="{FF2B5EF4-FFF2-40B4-BE49-F238E27FC236}">
-                <a16:creationId xmlns:a16="http://schemas.microsoft.com/office/drawing/2014/main" id="{14EC2572-8518-46FF-8F60-FE2963DF4A6E}"/>
-              </a:ext>
-            </a:extLst>
-          </p:cNvPr>
+          <p:cNvPr id="2" name="Title 1"/>
           <p:cNvSpPr>
             <a:spLocks noGrp="1"/>
           </p:cNvSpPr>
@@ -265,18 +203,13 @@
               <a:rPr lang="en-US" dirty="0"/>
               <a:t>Click to edit Master title style</a:t>
             </a:r>
-          </a:p>
-        </p:txBody>
-      </p:sp>
-      <p:sp>
-        <p:nvSpPr>
-          <p:cNvPr id="3" name="Subtitle 2">
-            <a:extLst>
-              <a:ext uri="{FF2B5EF4-FFF2-40B4-BE49-F238E27FC236}">
-                <a16:creationId xmlns:a16="http://schemas.microsoft.com/office/drawing/2014/main" id="{A7A0C76A-7715-48A4-8CF5-14BBF61962A1}"/>
-              </a:ext>
-            </a:extLst>
-          </p:cNvPr>
+            <a:endParaRPr lang="en-US" dirty="0"/>
+          </a:p>
+        </p:txBody>
+      </p:sp>
+      <p:sp>
+        <p:nvSpPr>
+          <p:cNvPr id="3" name="Subtitle 2"/>
           <p:cNvSpPr>
             <a:spLocks noGrp="1"/>
           </p:cNvSpPr>
@@ -341,18 +274,13 @@
               <a:rPr lang="en-US" dirty="0"/>
               <a:t>Click to edit Master subtitle style</a:t>
             </a:r>
-          </a:p>
-        </p:txBody>
-      </p:sp>
-      <p:sp>
-        <p:nvSpPr>
-          <p:cNvPr id="11" name="Date Placeholder 10">
-            <a:extLst>
-              <a:ext uri="{FF2B5EF4-FFF2-40B4-BE49-F238E27FC236}">
-                <a16:creationId xmlns:a16="http://schemas.microsoft.com/office/drawing/2014/main" id="{52D4EF84-F7DF-49C5-9285-301284ADB99A}"/>
-              </a:ext>
-            </a:extLst>
-          </p:cNvPr>
+            <a:endParaRPr lang="en-US" dirty="0"/>
+          </a:p>
+        </p:txBody>
+      </p:sp>
+      <p:sp>
+        <p:nvSpPr>
+          <p:cNvPr id="11" name="Date Placeholder 10"/>
           <p:cNvSpPr>
             <a:spLocks noGrp="1"/>
           </p:cNvSpPr>
@@ -376,8 +304,6 @@
             <a:pPr algn="r"/>
             <a:fld id="{A37D6D71-8B28-4ED6-B932-04B197003D23}" type="datetimeFigureOut">
               <a:rPr lang="en-US" dirty="0"/>
-              <a:pPr algn="r"/>
-              <a:t>12/10/2025</a:t>
             </a:fld>
             <a:endParaRPr lang="en-US" dirty="0"/>
           </a:p>
@@ -385,13 +311,7 @@
       </p:sp>
       <p:sp>
         <p:nvSpPr>
-          <p:cNvPr id="12" name="Footer Placeholder 11">
-            <a:extLst>
-              <a:ext uri="{FF2B5EF4-FFF2-40B4-BE49-F238E27FC236}">
-                <a16:creationId xmlns:a16="http://schemas.microsoft.com/office/drawing/2014/main" id="{81266E04-79AF-49EF-86BC-DB29D304BBEC}"/>
-              </a:ext>
-            </a:extLst>
-          </p:cNvPr>
+          <p:cNvPr id="12" name="Footer Placeholder 11"/>
           <p:cNvSpPr>
             <a:spLocks noGrp="1"/>
           </p:cNvSpPr>
@@ -422,13 +342,7 @@
       </p:sp>
       <p:sp>
         <p:nvSpPr>
-          <p:cNvPr id="13" name="Slide Number Placeholder 12">
-            <a:extLst>
-              <a:ext uri="{FF2B5EF4-FFF2-40B4-BE49-F238E27FC236}">
-                <a16:creationId xmlns:a16="http://schemas.microsoft.com/office/drawing/2014/main" id="{90DF5B53-9A9A-46CE-A910-25ADA58753A8}"/>
-              </a:ext>
-            </a:extLst>
-          </p:cNvPr>
+          <p:cNvPr id="13" name="Slide Number Placeholder 12"/>
           <p:cNvSpPr>
             <a:spLocks noGrp="1"/>
           </p:cNvSpPr>
@@ -452,19 +366,12 @@
             <a:pPr algn="l"/>
             <a:fld id="{F97E8200-1950-409B-82E7-99938E7AE355}" type="slidenum">
               <a:rPr lang="en-US" dirty="0"/>
-              <a:pPr algn="l"/>
-              <a:t>‹#›</a:t>
             </a:fld>
             <a:endParaRPr lang="en-US" dirty="0"/>
           </a:p>
         </p:txBody>
       </p:sp>
     </p:spTree>
-    <p:extLst>
-      <p:ext uri="{BB962C8B-B14F-4D97-AF65-F5344CB8AC3E}">
-        <p14:creationId xmlns:p14="http://schemas.microsoft.com/office/powerpoint/2010/main" val="1454882556"/>
-      </p:ext>
-    </p:extLst>
   </p:cSld>
   <p:clrMapOvr>
     <a:masterClrMapping/>
@@ -491,13 +398,7 @@
       </p:grpSpPr>
       <p:sp>
         <p:nvSpPr>
-          <p:cNvPr id="2" name="Title 1">
-            <a:extLst>
-              <a:ext uri="{FF2B5EF4-FFF2-40B4-BE49-F238E27FC236}">
-                <a16:creationId xmlns:a16="http://schemas.microsoft.com/office/drawing/2014/main" id="{596327B9-64C6-4AFE-8E67-F60CD17A800E}"/>
-              </a:ext>
-            </a:extLst>
-          </p:cNvPr>
+          <p:cNvPr id="2" name="Title 1"/>
           <p:cNvSpPr>
             <a:spLocks noGrp="1"/>
           </p:cNvSpPr>
@@ -514,18 +415,13 @@
               <a:rPr lang="en-US" dirty="0"/>
               <a:t>Click to edit Master title style</a:t>
             </a:r>
-          </a:p>
-        </p:txBody>
-      </p:sp>
-      <p:sp>
-        <p:nvSpPr>
-          <p:cNvPr id="3" name="Vertical Text Placeholder 2">
-            <a:extLst>
-              <a:ext uri="{FF2B5EF4-FFF2-40B4-BE49-F238E27FC236}">
-                <a16:creationId xmlns:a16="http://schemas.microsoft.com/office/drawing/2014/main" id="{7692656D-F600-4D76-8A0F-BDBE78759BD4}"/>
-              </a:ext>
-            </a:extLst>
-          </p:cNvPr>
+            <a:endParaRPr lang="en-US" dirty="0"/>
+          </a:p>
+        </p:txBody>
+      </p:sp>
+      <p:sp>
+        <p:nvSpPr>
+          <p:cNvPr id="3" name="Vertical Text Placeholder 2"/>
           <p:cNvSpPr>
             <a:spLocks noGrp="1"/>
           </p:cNvSpPr>
@@ -543,6 +439,7 @@
               <a:rPr lang="en-US" dirty="0"/>
               <a:t>Click to edit Master text styles</a:t>
             </a:r>
+            <a:endParaRPr lang="en-US" dirty="0"/>
           </a:p>
           <a:p>
             <a:pPr lvl="1"/>
@@ -550,6 +447,7 @@
               <a:rPr lang="en-US" dirty="0"/>
               <a:t>Second level</a:t>
             </a:r>
+            <a:endParaRPr lang="en-US" dirty="0"/>
           </a:p>
           <a:p>
             <a:pPr lvl="2"/>
@@ -557,6 +455,7 @@
               <a:rPr lang="en-US" dirty="0"/>
               <a:t>Third level</a:t>
             </a:r>
+            <a:endParaRPr lang="en-US" dirty="0"/>
           </a:p>
           <a:p>
             <a:pPr lvl="3"/>
@@ -564,6 +463,7 @@
               <a:rPr lang="en-US" dirty="0"/>
               <a:t>Fourth level</a:t>
             </a:r>
+            <a:endParaRPr lang="en-US" dirty="0"/>
           </a:p>
           <a:p>
             <a:pPr lvl="4"/>
@@ -571,18 +471,13 @@
               <a:rPr lang="en-US" dirty="0"/>
               <a:t>Fifth level</a:t>
             </a:r>
-          </a:p>
-        </p:txBody>
-      </p:sp>
-      <p:sp>
-        <p:nvSpPr>
-          <p:cNvPr id="7" name="Date Placeholder 6">
-            <a:extLst>
-              <a:ext uri="{FF2B5EF4-FFF2-40B4-BE49-F238E27FC236}">
-                <a16:creationId xmlns:a16="http://schemas.microsoft.com/office/drawing/2014/main" id="{86A13412-4939-4879-B91F-BB5B029B6CEB}"/>
-              </a:ext>
-            </a:extLst>
-          </p:cNvPr>
+            <a:endParaRPr lang="en-US" dirty="0"/>
+          </a:p>
+        </p:txBody>
+      </p:sp>
+      <p:sp>
+        <p:nvSpPr>
+          <p:cNvPr id="7" name="Date Placeholder 6"/>
           <p:cNvSpPr>
             <a:spLocks noGrp="1"/>
           </p:cNvSpPr>
@@ -598,8 +493,6 @@
             <a:pPr algn="r"/>
             <a:fld id="{A37D6D71-8B28-4ED6-B932-04B197003D23}" type="datetimeFigureOut">
               <a:rPr lang="en-US" dirty="0"/>
-              <a:pPr algn="r"/>
-              <a:t>12/10/2025</a:t>
             </a:fld>
             <a:endParaRPr lang="en-US" dirty="0"/>
           </a:p>
@@ -607,13 +500,7 @@
       </p:sp>
       <p:sp>
         <p:nvSpPr>
-          <p:cNvPr id="8" name="Footer Placeholder 7">
-            <a:extLst>
-              <a:ext uri="{FF2B5EF4-FFF2-40B4-BE49-F238E27FC236}">
-                <a16:creationId xmlns:a16="http://schemas.microsoft.com/office/drawing/2014/main" id="{95237DB9-DE7D-4687-82D7-612600F06C3E}"/>
-              </a:ext>
-            </a:extLst>
-          </p:cNvPr>
+          <p:cNvPr id="8" name="Footer Placeholder 7"/>
           <p:cNvSpPr>
             <a:spLocks noGrp="1"/>
           </p:cNvSpPr>
@@ -636,13 +523,7 @@
       </p:sp>
       <p:sp>
         <p:nvSpPr>
-          <p:cNvPr id="9" name="Slide Number Placeholder 8">
-            <a:extLst>
-              <a:ext uri="{FF2B5EF4-FFF2-40B4-BE49-F238E27FC236}">
-                <a16:creationId xmlns:a16="http://schemas.microsoft.com/office/drawing/2014/main" id="{6C819356-0444-4C23-82D3-E2FDE28D3DCB}"/>
-              </a:ext>
-            </a:extLst>
-          </p:cNvPr>
+          <p:cNvPr id="9" name="Slide Number Placeholder 8"/>
           <p:cNvSpPr>
             <a:spLocks noGrp="1"/>
           </p:cNvSpPr>
@@ -658,19 +539,12 @@
             <a:pPr algn="l"/>
             <a:fld id="{F97E8200-1950-409B-82E7-99938E7AE355}" type="slidenum">
               <a:rPr lang="en-US" dirty="0"/>
-              <a:pPr algn="l"/>
-              <a:t>‹#›</a:t>
             </a:fld>
             <a:endParaRPr lang="en-US" dirty="0"/>
           </a:p>
         </p:txBody>
       </p:sp>
     </p:spTree>
-    <p:extLst>
-      <p:ext uri="{BB962C8B-B14F-4D97-AF65-F5344CB8AC3E}">
-        <p14:creationId xmlns:p14="http://schemas.microsoft.com/office/powerpoint/2010/main" val="1875905246"/>
-      </p:ext>
-    </p:extLst>
   </p:cSld>
   <p:clrMapOvr>
     <a:masterClrMapping/>
@@ -679,7 +553,7 @@
 </file>
 
 <file path=ppt/slideLayouts/slideLayout11.xml><?xml version="1.0" encoding="utf-8"?>
-<p:sldLayout xmlns:a="http://schemas.openxmlformats.org/drawingml/2006/main" xmlns:r="http://schemas.openxmlformats.org/officeDocument/2006/relationships" xmlns:p="http://schemas.openxmlformats.org/presentationml/2006/main" showMasterSp="0" type="vertTitleAndTx" preserve="1">
+<p:sldLayout xmlns:a="http://schemas.openxmlformats.org/drawingml/2006/main" xmlns:r="http://schemas.openxmlformats.org/officeDocument/2006/relationships" xmlns:p="http://schemas.openxmlformats.org/presentationml/2006/main" type="vertTitleAndTx" preserve="1" showMasterSp="0">
   <p:cSld name="Vertical Title and Text">
     <p:spTree>
       <p:nvGrpSpPr>
@@ -697,13 +571,7 @@
       </p:grpSpPr>
       <p:sp>
         <p:nvSpPr>
-          <p:cNvPr id="11" name="Rectangle 10">
-            <a:extLst>
-              <a:ext uri="{FF2B5EF4-FFF2-40B4-BE49-F238E27FC236}">
-                <a16:creationId xmlns:a16="http://schemas.microsoft.com/office/drawing/2014/main" id="{8EB51B7C-D548-4AB7-90A4-C196105E6D56}"/>
-              </a:ext>
-            </a:extLst>
-          </p:cNvPr>
+          <p:cNvPr id="11" name="Rectangle 10"/>
           <p:cNvSpPr/>
           <p:nvPr/>
         </p:nvSpPr>
@@ -741,13 +609,7 @@
       </p:sp>
       <p:sp>
         <p:nvSpPr>
-          <p:cNvPr id="2" name="Vertical Title 1">
-            <a:extLst>
-              <a:ext uri="{FF2B5EF4-FFF2-40B4-BE49-F238E27FC236}">
-                <a16:creationId xmlns:a16="http://schemas.microsoft.com/office/drawing/2014/main" id="{32DC521B-8B54-4843-9FF4-B2C30FA0043F}"/>
-              </a:ext>
-            </a:extLst>
-          </p:cNvPr>
+          <p:cNvPr id="2" name="Vertical Title 1"/>
           <p:cNvSpPr>
             <a:spLocks noGrp="1"/>
           </p:cNvSpPr>
@@ -769,18 +631,13 @@
               <a:rPr lang="en-US" dirty="0"/>
               <a:t>Click to edit Master title style</a:t>
             </a:r>
-          </a:p>
-        </p:txBody>
-      </p:sp>
-      <p:sp>
-        <p:nvSpPr>
-          <p:cNvPr id="3" name="Vertical Text Placeholder 2">
-            <a:extLst>
-              <a:ext uri="{FF2B5EF4-FFF2-40B4-BE49-F238E27FC236}">
-                <a16:creationId xmlns:a16="http://schemas.microsoft.com/office/drawing/2014/main" id="{410E3F10-9E27-41E6-A965-4243E37BE3D5}"/>
-              </a:ext>
-            </a:extLst>
-          </p:cNvPr>
+            <a:endParaRPr lang="en-US" dirty="0"/>
+          </a:p>
+        </p:txBody>
+      </p:sp>
+      <p:sp>
+        <p:nvSpPr>
+          <p:cNvPr id="3" name="Vertical Text Placeholder 2"/>
           <p:cNvSpPr>
             <a:spLocks noGrp="1"/>
           </p:cNvSpPr>
@@ -803,6 +660,7 @@
               <a:rPr lang="en-US" dirty="0"/>
               <a:t>Click to edit Master text styles</a:t>
             </a:r>
+            <a:endParaRPr lang="en-US" dirty="0"/>
           </a:p>
           <a:p>
             <a:pPr lvl="1"/>
@@ -810,6 +668,7 @@
               <a:rPr lang="en-US" dirty="0"/>
               <a:t>Second level</a:t>
             </a:r>
+            <a:endParaRPr lang="en-US" dirty="0"/>
           </a:p>
           <a:p>
             <a:pPr lvl="2"/>
@@ -817,6 +676,7 @@
               <a:rPr lang="en-US" dirty="0"/>
               <a:t>Third level</a:t>
             </a:r>
+            <a:endParaRPr lang="en-US" dirty="0"/>
           </a:p>
           <a:p>
             <a:pPr lvl="3"/>
@@ -824,6 +684,7 @@
               <a:rPr lang="en-US" dirty="0"/>
               <a:t>Fourth level</a:t>
             </a:r>
+            <a:endParaRPr lang="en-US" dirty="0"/>
           </a:p>
           <a:p>
             <a:pPr lvl="4"/>
@@ -831,18 +692,13 @@
               <a:rPr lang="en-US" dirty="0"/>
               <a:t>Fifth level</a:t>
             </a:r>
-          </a:p>
-        </p:txBody>
-      </p:sp>
-      <p:sp>
-        <p:nvSpPr>
-          <p:cNvPr id="7" name="Date Placeholder 6">
-            <a:extLst>
-              <a:ext uri="{FF2B5EF4-FFF2-40B4-BE49-F238E27FC236}">
-                <a16:creationId xmlns:a16="http://schemas.microsoft.com/office/drawing/2014/main" id="{6341D62D-51A0-4AD7-8027-BF548FB6AAF3}"/>
-              </a:ext>
-            </a:extLst>
-          </p:cNvPr>
+            <a:endParaRPr lang="en-US" dirty="0"/>
+          </a:p>
+        </p:txBody>
+      </p:sp>
+      <p:sp>
+        <p:nvSpPr>
+          <p:cNvPr id="7" name="Date Placeholder 6"/>
           <p:cNvSpPr>
             <a:spLocks noGrp="1"/>
           </p:cNvSpPr>
@@ -871,8 +727,6 @@
             <a:pPr algn="r"/>
             <a:fld id="{A37D6D71-8B28-4ED6-B932-04B197003D23}" type="datetimeFigureOut">
               <a:rPr lang="en-US" dirty="0"/>
-              <a:pPr algn="r"/>
-              <a:t>12/10/2025</a:t>
             </a:fld>
             <a:endParaRPr lang="en-US" dirty="0"/>
           </a:p>
@@ -880,13 +734,7 @@
       </p:sp>
       <p:sp>
         <p:nvSpPr>
-          <p:cNvPr id="8" name="Footer Placeholder 7">
-            <a:extLst>
-              <a:ext uri="{FF2B5EF4-FFF2-40B4-BE49-F238E27FC236}">
-                <a16:creationId xmlns:a16="http://schemas.microsoft.com/office/drawing/2014/main" id="{A5857492-A701-44A1-B1D5-7B2C8CD06582}"/>
-              </a:ext>
-            </a:extLst>
-          </p:cNvPr>
+          <p:cNvPr id="8" name="Footer Placeholder 7"/>
           <p:cNvSpPr>
             <a:spLocks noGrp="1"/>
           </p:cNvSpPr>
@@ -909,13 +757,7 @@
       </p:sp>
       <p:sp>
         <p:nvSpPr>
-          <p:cNvPr id="9" name="Slide Number Placeholder 8">
-            <a:extLst>
-              <a:ext uri="{FF2B5EF4-FFF2-40B4-BE49-F238E27FC236}">
-                <a16:creationId xmlns:a16="http://schemas.microsoft.com/office/drawing/2014/main" id="{EED2E8AE-F1AA-4D19-A434-102501D3B460}"/>
-              </a:ext>
-            </a:extLst>
-          </p:cNvPr>
+          <p:cNvPr id="9" name="Slide Number Placeholder 8"/>
           <p:cNvSpPr>
             <a:spLocks noGrp="1"/>
           </p:cNvSpPr>
@@ -939,19 +781,12 @@
             <a:pPr algn="l"/>
             <a:fld id="{F97E8200-1950-409B-82E7-99938E7AE355}" type="slidenum">
               <a:rPr lang="en-US" dirty="0"/>
-              <a:pPr algn="l"/>
-              <a:t>‹#›</a:t>
             </a:fld>
             <a:endParaRPr lang="en-US" dirty="0"/>
           </a:p>
         </p:txBody>
       </p:sp>
     </p:spTree>
-    <p:extLst>
-      <p:ext uri="{BB962C8B-B14F-4D97-AF65-F5344CB8AC3E}">
-        <p14:creationId xmlns:p14="http://schemas.microsoft.com/office/powerpoint/2010/main" val="3607775692"/>
-      </p:ext>
-    </p:extLst>
   </p:cSld>
   <p:clrMapOvr>
     <a:masterClrMapping/>
@@ -978,13 +813,7 @@
       </p:grpSpPr>
       <p:sp>
         <p:nvSpPr>
-          <p:cNvPr id="2" name="Title 1">
-            <a:extLst>
-              <a:ext uri="{FF2B5EF4-FFF2-40B4-BE49-F238E27FC236}">
-                <a16:creationId xmlns:a16="http://schemas.microsoft.com/office/drawing/2014/main" id="{2E380910-921F-4143-AB01-0F0AFC2908C4}"/>
-              </a:ext>
-            </a:extLst>
-          </p:cNvPr>
+          <p:cNvPr id="2" name="Title 1"/>
           <p:cNvSpPr>
             <a:spLocks noGrp="1"/>
           </p:cNvSpPr>
@@ -1001,18 +830,13 @@
               <a:rPr lang="en-US" dirty="0"/>
               <a:t>Click to edit Master title style</a:t>
             </a:r>
-          </a:p>
-        </p:txBody>
-      </p:sp>
-      <p:sp>
-        <p:nvSpPr>
-          <p:cNvPr id="3" name="Content Placeholder 2">
-            <a:extLst>
-              <a:ext uri="{FF2B5EF4-FFF2-40B4-BE49-F238E27FC236}">
-                <a16:creationId xmlns:a16="http://schemas.microsoft.com/office/drawing/2014/main" id="{6E0182FC-5A0B-4C24-A6ED-990ED5BA9085}"/>
-              </a:ext>
-            </a:extLst>
-          </p:cNvPr>
+            <a:endParaRPr lang="en-US" dirty="0"/>
+          </a:p>
+        </p:txBody>
+      </p:sp>
+      <p:sp>
+        <p:nvSpPr>
+          <p:cNvPr id="3" name="Content Placeholder 2"/>
           <p:cNvSpPr>
             <a:spLocks noGrp="1"/>
           </p:cNvSpPr>
@@ -1030,6 +854,7 @@
               <a:rPr lang="en-US" dirty="0"/>
               <a:t>Click to edit Master text styles</a:t>
             </a:r>
+            <a:endParaRPr lang="en-US" dirty="0"/>
           </a:p>
           <a:p>
             <a:pPr lvl="1"/>
@@ -1037,6 +862,7 @@
               <a:rPr lang="en-US" dirty="0"/>
               <a:t>Second level</a:t>
             </a:r>
+            <a:endParaRPr lang="en-US" dirty="0"/>
           </a:p>
           <a:p>
             <a:pPr lvl="2"/>
@@ -1044,6 +870,7 @@
               <a:rPr lang="en-US" dirty="0"/>
               <a:t>Third level</a:t>
             </a:r>
+            <a:endParaRPr lang="en-US" dirty="0"/>
           </a:p>
           <a:p>
             <a:pPr lvl="3"/>
@@ -1051,6 +878,7 @@
               <a:rPr lang="en-US" dirty="0"/>
               <a:t>Fourth level</a:t>
             </a:r>
+            <a:endParaRPr lang="en-US" dirty="0"/>
           </a:p>
           <a:p>
             <a:pPr lvl="4"/>
@@ -1058,18 +886,13 @@
               <a:rPr lang="en-US" dirty="0"/>
               <a:t>Fifth level</a:t>
             </a:r>
-          </a:p>
-        </p:txBody>
-      </p:sp>
-      <p:sp>
-        <p:nvSpPr>
-          <p:cNvPr id="7" name="Date Placeholder 6">
-            <a:extLst>
-              <a:ext uri="{FF2B5EF4-FFF2-40B4-BE49-F238E27FC236}">
-                <a16:creationId xmlns:a16="http://schemas.microsoft.com/office/drawing/2014/main" id="{9B6172F4-3DB0-4AE3-8926-081B78034C68}"/>
-              </a:ext>
-            </a:extLst>
-          </p:cNvPr>
+            <a:endParaRPr lang="en-US" dirty="0"/>
+          </a:p>
+        </p:txBody>
+      </p:sp>
+      <p:sp>
+        <p:nvSpPr>
+          <p:cNvPr id="7" name="Date Placeholder 6"/>
           <p:cNvSpPr>
             <a:spLocks noGrp="1"/>
           </p:cNvSpPr>
@@ -1085,8 +908,6 @@
             <a:pPr algn="r"/>
             <a:fld id="{A37D6D71-8B28-4ED6-B932-04B197003D23}" type="datetimeFigureOut">
               <a:rPr lang="en-US" dirty="0"/>
-              <a:pPr algn="r"/>
-              <a:t>12/10/2025</a:t>
             </a:fld>
             <a:endParaRPr lang="en-US" dirty="0"/>
           </a:p>
@@ -1094,13 +915,7 @@
       </p:sp>
       <p:sp>
         <p:nvSpPr>
-          <p:cNvPr id="8" name="Footer Placeholder 7">
-            <a:extLst>
-              <a:ext uri="{FF2B5EF4-FFF2-40B4-BE49-F238E27FC236}">
-                <a16:creationId xmlns:a16="http://schemas.microsoft.com/office/drawing/2014/main" id="{825F1358-C731-465B-BCB1-2CCBFD6ECF7E}"/>
-              </a:ext>
-            </a:extLst>
-          </p:cNvPr>
+          <p:cNvPr id="8" name="Footer Placeholder 7"/>
           <p:cNvSpPr>
             <a:spLocks noGrp="1"/>
           </p:cNvSpPr>
@@ -1123,13 +938,7 @@
       </p:sp>
       <p:sp>
         <p:nvSpPr>
-          <p:cNvPr id="9" name="Slide Number Placeholder 8">
-            <a:extLst>
-              <a:ext uri="{FF2B5EF4-FFF2-40B4-BE49-F238E27FC236}">
-                <a16:creationId xmlns:a16="http://schemas.microsoft.com/office/drawing/2014/main" id="{C8D59536-57D3-4C8A-A207-568465A32E45}"/>
-              </a:ext>
-            </a:extLst>
-          </p:cNvPr>
+          <p:cNvPr id="9" name="Slide Number Placeholder 8"/>
           <p:cNvSpPr>
             <a:spLocks noGrp="1"/>
           </p:cNvSpPr>
@@ -1145,19 +954,12 @@
             <a:pPr algn="l"/>
             <a:fld id="{F97E8200-1950-409B-82E7-99938E7AE355}" type="slidenum">
               <a:rPr lang="en-US" dirty="0"/>
-              <a:pPr algn="l"/>
-              <a:t>‹#›</a:t>
             </a:fld>
             <a:endParaRPr lang="en-US" dirty="0"/>
           </a:p>
         </p:txBody>
       </p:sp>
     </p:spTree>
-    <p:extLst>
-      <p:ext uri="{BB962C8B-B14F-4D97-AF65-F5344CB8AC3E}">
-        <p14:creationId xmlns:p14="http://schemas.microsoft.com/office/powerpoint/2010/main" val="2411971087"/>
-      </p:ext>
-    </p:extLst>
   </p:cSld>
   <p:clrMapOvr>
     <a:masterClrMapping/>
@@ -1166,7 +968,7 @@
 </file>
 
 <file path=ppt/slideLayouts/slideLayout3.xml><?xml version="1.0" encoding="utf-8"?>
-<p:sldLayout xmlns:a="http://schemas.openxmlformats.org/drawingml/2006/main" xmlns:r="http://schemas.openxmlformats.org/officeDocument/2006/relationships" xmlns:p="http://schemas.openxmlformats.org/presentationml/2006/main" showMasterSp="0" type="secHead" preserve="1">
+<p:sldLayout xmlns:a="http://schemas.openxmlformats.org/drawingml/2006/main" xmlns:r="http://schemas.openxmlformats.org/officeDocument/2006/relationships" xmlns:p="http://schemas.openxmlformats.org/presentationml/2006/main" type="secHead" preserve="1" showMasterSp="0">
   <p:cSld name="Section Header">
     <p:spTree>
       <p:nvGrpSpPr>
@@ -1184,13 +986,7 @@
       </p:grpSpPr>
       <p:sp>
         <p:nvSpPr>
-          <p:cNvPr id="8" name="Rectangle 7">
-            <a:extLst>
-              <a:ext uri="{FF2B5EF4-FFF2-40B4-BE49-F238E27FC236}">
-                <a16:creationId xmlns:a16="http://schemas.microsoft.com/office/drawing/2014/main" id="{B81E0804-8E9E-4C6E-B18D-44FE715B239E}"/>
-              </a:ext>
-            </a:extLst>
-          </p:cNvPr>
+          <p:cNvPr id="8" name="Rectangle 7"/>
           <p:cNvSpPr/>
           <p:nvPr/>
         </p:nvSpPr>
@@ -1228,13 +1024,7 @@
       </p:sp>
       <p:sp>
         <p:nvSpPr>
-          <p:cNvPr id="2" name="Title 1">
-            <a:extLst>
-              <a:ext uri="{FF2B5EF4-FFF2-40B4-BE49-F238E27FC236}">
-                <a16:creationId xmlns:a16="http://schemas.microsoft.com/office/drawing/2014/main" id="{EC278AA1-17A5-44BF-8791-EACDA31F5D86}"/>
-              </a:ext>
-            </a:extLst>
-          </p:cNvPr>
+          <p:cNvPr id="2" name="Title 1"/>
           <p:cNvSpPr>
             <a:spLocks noGrp="1"/>
           </p:cNvSpPr>
@@ -1262,18 +1052,13 @@
               <a:rPr lang="en-US" dirty="0"/>
               <a:t>Click to edit Master title style</a:t>
             </a:r>
-          </a:p>
-        </p:txBody>
-      </p:sp>
-      <p:sp>
-        <p:nvSpPr>
-          <p:cNvPr id="3" name="Text Placeholder 2">
-            <a:extLst>
-              <a:ext uri="{FF2B5EF4-FFF2-40B4-BE49-F238E27FC236}">
-                <a16:creationId xmlns:a16="http://schemas.microsoft.com/office/drawing/2014/main" id="{601203A5-DA79-4778-AB85-150365748494}"/>
-              </a:ext>
-            </a:extLst>
-          </p:cNvPr>
+            <a:endParaRPr lang="en-US" dirty="0"/>
+          </a:p>
+        </p:txBody>
+      </p:sp>
+      <p:sp>
+        <p:nvSpPr>
+          <p:cNvPr id="3" name="Text Placeholder 2"/>
           <p:cNvSpPr>
             <a:spLocks noGrp="1"/>
           </p:cNvSpPr>
@@ -1387,18 +1172,13 @@
               <a:rPr lang="en-US" dirty="0"/>
               <a:t>Click to edit Master text styles</a:t>
             </a:r>
-          </a:p>
-        </p:txBody>
-      </p:sp>
-      <p:sp>
-        <p:nvSpPr>
-          <p:cNvPr id="9" name="Date Placeholder 8">
-            <a:extLst>
-              <a:ext uri="{FF2B5EF4-FFF2-40B4-BE49-F238E27FC236}">
-                <a16:creationId xmlns:a16="http://schemas.microsoft.com/office/drawing/2014/main" id="{CE3B1B5E-0912-44AE-BAED-70B980E53915}"/>
-              </a:ext>
-            </a:extLst>
-          </p:cNvPr>
+            <a:endParaRPr lang="en-US" dirty="0"/>
+          </a:p>
+        </p:txBody>
+      </p:sp>
+      <p:sp>
+        <p:nvSpPr>
+          <p:cNvPr id="9" name="Date Placeholder 8"/>
           <p:cNvSpPr>
             <a:spLocks noGrp="1"/>
           </p:cNvSpPr>
@@ -1414,8 +1194,6 @@
             <a:pPr algn="r"/>
             <a:fld id="{A37D6D71-8B28-4ED6-B932-04B197003D23}" type="datetimeFigureOut">
               <a:rPr lang="en-US" dirty="0"/>
-              <a:pPr algn="r"/>
-              <a:t>12/10/2025</a:t>
             </a:fld>
             <a:endParaRPr lang="en-US" dirty="0"/>
           </a:p>
@@ -1423,13 +1201,7 @@
       </p:sp>
       <p:sp>
         <p:nvSpPr>
-          <p:cNvPr id="10" name="Footer Placeholder 9">
-            <a:extLst>
-              <a:ext uri="{FF2B5EF4-FFF2-40B4-BE49-F238E27FC236}">
-                <a16:creationId xmlns:a16="http://schemas.microsoft.com/office/drawing/2014/main" id="{346C82F1-A7B2-4F03-A26B-59D79BF5BFD5}"/>
-              </a:ext>
-            </a:extLst>
-          </p:cNvPr>
+          <p:cNvPr id="10" name="Footer Placeholder 9"/>
           <p:cNvSpPr>
             <a:spLocks noGrp="1"/>
           </p:cNvSpPr>
@@ -1452,13 +1224,7 @@
       </p:sp>
       <p:sp>
         <p:nvSpPr>
-          <p:cNvPr id="11" name="Slide Number Placeholder 10">
-            <a:extLst>
-              <a:ext uri="{FF2B5EF4-FFF2-40B4-BE49-F238E27FC236}">
-                <a16:creationId xmlns:a16="http://schemas.microsoft.com/office/drawing/2014/main" id="{B1DC1ABC-47A9-477B-A29D-F6690EE6B532}"/>
-              </a:ext>
-            </a:extLst>
-          </p:cNvPr>
+          <p:cNvPr id="11" name="Slide Number Placeholder 10"/>
           <p:cNvSpPr>
             <a:spLocks noGrp="1"/>
           </p:cNvSpPr>
@@ -1474,19 +1240,12 @@
             <a:pPr algn="l"/>
             <a:fld id="{F97E8200-1950-409B-82E7-99938E7AE355}" type="slidenum">
               <a:rPr lang="en-US" dirty="0"/>
-              <a:pPr algn="l"/>
-              <a:t>‹#›</a:t>
             </a:fld>
             <a:endParaRPr lang="en-US" dirty="0"/>
           </a:p>
         </p:txBody>
       </p:sp>
     </p:spTree>
-    <p:extLst>
-      <p:ext uri="{BB962C8B-B14F-4D97-AF65-F5344CB8AC3E}">
-        <p14:creationId xmlns:p14="http://schemas.microsoft.com/office/powerpoint/2010/main" val="2958968258"/>
-      </p:ext>
-    </p:extLst>
   </p:cSld>
   <p:clrMapOvr>
     <a:masterClrMapping/>
@@ -1513,13 +1272,7 @@
       </p:grpSpPr>
       <p:sp>
         <p:nvSpPr>
-          <p:cNvPr id="2" name="Title 1">
-            <a:extLst>
-              <a:ext uri="{FF2B5EF4-FFF2-40B4-BE49-F238E27FC236}">
-                <a16:creationId xmlns:a16="http://schemas.microsoft.com/office/drawing/2014/main" id="{D035F398-F05F-4793-9FA5-5B817EB95A05}"/>
-              </a:ext>
-            </a:extLst>
-          </p:cNvPr>
+          <p:cNvPr id="2" name="Title 1"/>
           <p:cNvSpPr>
             <a:spLocks noGrp="1"/>
           </p:cNvSpPr>
@@ -1536,18 +1289,13 @@
               <a:rPr lang="en-US" dirty="0"/>
               <a:t>Click to edit Master title style</a:t>
             </a:r>
-          </a:p>
-        </p:txBody>
-      </p:sp>
-      <p:sp>
-        <p:nvSpPr>
-          <p:cNvPr id="3" name="Content Placeholder 2">
-            <a:extLst>
-              <a:ext uri="{FF2B5EF4-FFF2-40B4-BE49-F238E27FC236}">
-                <a16:creationId xmlns:a16="http://schemas.microsoft.com/office/drawing/2014/main" id="{7617F1CD-2CD4-4BBB-AB36-73A20B1A8D69}"/>
-              </a:ext>
-            </a:extLst>
-          </p:cNvPr>
+            <a:endParaRPr lang="en-US" dirty="0"/>
+          </a:p>
+        </p:txBody>
+      </p:sp>
+      <p:sp>
+        <p:nvSpPr>
+          <p:cNvPr id="3" name="Content Placeholder 2"/>
           <p:cNvSpPr>
             <a:spLocks noGrp="1"/>
           </p:cNvSpPr>
@@ -1570,6 +1318,7 @@
               <a:rPr lang="en-US" dirty="0"/>
               <a:t>Click to edit Master text styles</a:t>
             </a:r>
+            <a:endParaRPr lang="en-US" dirty="0"/>
           </a:p>
           <a:p>
             <a:pPr lvl="1"/>
@@ -1577,6 +1326,7 @@
               <a:rPr lang="en-US" dirty="0"/>
               <a:t>Second level</a:t>
             </a:r>
+            <a:endParaRPr lang="en-US" dirty="0"/>
           </a:p>
           <a:p>
             <a:pPr lvl="2"/>
@@ -1584,6 +1334,7 @@
               <a:rPr lang="en-US" dirty="0"/>
               <a:t>Third level</a:t>
             </a:r>
+            <a:endParaRPr lang="en-US" dirty="0"/>
           </a:p>
           <a:p>
             <a:pPr lvl="3"/>
@@ -1591,6 +1342,7 @@
               <a:rPr lang="en-US" dirty="0"/>
               <a:t>Fourth level</a:t>
             </a:r>
+            <a:endParaRPr lang="en-US" dirty="0"/>
           </a:p>
           <a:p>
             <a:pPr lvl="4"/>
@@ -1598,18 +1350,13 @@
               <a:rPr lang="en-US" dirty="0"/>
               <a:t>Fifth level</a:t>
             </a:r>
-          </a:p>
-        </p:txBody>
-      </p:sp>
-      <p:sp>
-        <p:nvSpPr>
-          <p:cNvPr id="4" name="Content Placeholder 3">
-            <a:extLst>
-              <a:ext uri="{FF2B5EF4-FFF2-40B4-BE49-F238E27FC236}">
-                <a16:creationId xmlns:a16="http://schemas.microsoft.com/office/drawing/2014/main" id="{D67BBE02-B884-4CCC-9CBD-13B792BBA2BE}"/>
-              </a:ext>
-            </a:extLst>
-          </p:cNvPr>
+            <a:endParaRPr lang="en-US" dirty="0"/>
+          </a:p>
+        </p:txBody>
+      </p:sp>
+      <p:sp>
+        <p:nvSpPr>
+          <p:cNvPr id="4" name="Content Placeholder 3"/>
           <p:cNvSpPr>
             <a:spLocks noGrp="1"/>
           </p:cNvSpPr>
@@ -1632,6 +1379,7 @@
               <a:rPr lang="en-US" dirty="0"/>
               <a:t>Click to edit Master text styles</a:t>
             </a:r>
+            <a:endParaRPr lang="en-US" dirty="0"/>
           </a:p>
           <a:p>
             <a:pPr lvl="1"/>
@@ -1639,6 +1387,7 @@
               <a:rPr lang="en-US" dirty="0"/>
               <a:t>Second level</a:t>
             </a:r>
+            <a:endParaRPr lang="en-US" dirty="0"/>
           </a:p>
           <a:p>
             <a:pPr lvl="2"/>
@@ -1646,6 +1395,7 @@
               <a:rPr lang="en-US" dirty="0"/>
               <a:t>Third level</a:t>
             </a:r>
+            <a:endParaRPr lang="en-US" dirty="0"/>
           </a:p>
           <a:p>
             <a:pPr lvl="3"/>
@@ -1653,6 +1403,7 @@
               <a:rPr lang="en-US" dirty="0"/>
               <a:t>Fourth level</a:t>
             </a:r>
+            <a:endParaRPr lang="en-US" dirty="0"/>
           </a:p>
           <a:p>
             <a:pPr lvl="4"/>
@@ -1660,18 +1411,13 @@
               <a:rPr lang="en-US" dirty="0"/>
               <a:t>Fifth level</a:t>
             </a:r>
-          </a:p>
-        </p:txBody>
-      </p:sp>
-      <p:sp>
-        <p:nvSpPr>
-          <p:cNvPr id="12" name="Date Placeholder 11">
-            <a:extLst>
-              <a:ext uri="{FF2B5EF4-FFF2-40B4-BE49-F238E27FC236}">
-                <a16:creationId xmlns:a16="http://schemas.microsoft.com/office/drawing/2014/main" id="{B7FBE509-AA68-4D63-A589-AD5DE7FFFECA}"/>
-              </a:ext>
-            </a:extLst>
-          </p:cNvPr>
+            <a:endParaRPr lang="en-US" dirty="0"/>
+          </a:p>
+        </p:txBody>
+      </p:sp>
+      <p:sp>
+        <p:nvSpPr>
+          <p:cNvPr id="12" name="Date Placeholder 11"/>
           <p:cNvSpPr>
             <a:spLocks noGrp="1"/>
           </p:cNvSpPr>
@@ -1687,8 +1433,6 @@
             <a:pPr algn="r"/>
             <a:fld id="{A37D6D71-8B28-4ED6-B932-04B197003D23}" type="datetimeFigureOut">
               <a:rPr lang="en-US" dirty="0"/>
-              <a:pPr algn="r"/>
-              <a:t>12/10/2025</a:t>
             </a:fld>
             <a:endParaRPr lang="en-US" dirty="0"/>
           </a:p>
@@ -1696,13 +1440,7 @@
       </p:sp>
       <p:sp>
         <p:nvSpPr>
-          <p:cNvPr id="13" name="Footer Placeholder 12">
-            <a:extLst>
-              <a:ext uri="{FF2B5EF4-FFF2-40B4-BE49-F238E27FC236}">
-                <a16:creationId xmlns:a16="http://schemas.microsoft.com/office/drawing/2014/main" id="{9C1A4D52-57E4-4F45-BC2C-9FD73E9CEC59}"/>
-              </a:ext>
-            </a:extLst>
-          </p:cNvPr>
+          <p:cNvPr id="13" name="Footer Placeholder 12"/>
           <p:cNvSpPr>
             <a:spLocks noGrp="1"/>
           </p:cNvSpPr>
@@ -1725,13 +1463,7 @@
       </p:sp>
       <p:sp>
         <p:nvSpPr>
-          <p:cNvPr id="14" name="Slide Number Placeholder 13">
-            <a:extLst>
-              <a:ext uri="{FF2B5EF4-FFF2-40B4-BE49-F238E27FC236}">
-                <a16:creationId xmlns:a16="http://schemas.microsoft.com/office/drawing/2014/main" id="{E76AD5E1-358D-4236-85AE-74713259EF08}"/>
-              </a:ext>
-            </a:extLst>
-          </p:cNvPr>
+          <p:cNvPr id="14" name="Slide Number Placeholder 13"/>
           <p:cNvSpPr>
             <a:spLocks noGrp="1"/>
           </p:cNvSpPr>
@@ -1747,19 +1479,12 @@
             <a:pPr algn="l"/>
             <a:fld id="{F97E8200-1950-409B-82E7-99938E7AE355}" type="slidenum">
               <a:rPr lang="en-US" dirty="0"/>
-              <a:pPr algn="l"/>
-              <a:t>‹#›</a:t>
             </a:fld>
             <a:endParaRPr lang="en-US" dirty="0"/>
           </a:p>
         </p:txBody>
       </p:sp>
     </p:spTree>
-    <p:extLst>
-      <p:ext uri="{BB962C8B-B14F-4D97-AF65-F5344CB8AC3E}">
-        <p14:creationId xmlns:p14="http://schemas.microsoft.com/office/powerpoint/2010/main" val="1204405524"/>
-      </p:ext>
-    </p:extLst>
   </p:cSld>
   <p:clrMapOvr>
     <a:masterClrMapping/>
@@ -1786,13 +1511,7 @@
       </p:grpSpPr>
       <p:sp>
         <p:nvSpPr>
-          <p:cNvPr id="3" name="Text Placeholder 2">
-            <a:extLst>
-              <a:ext uri="{FF2B5EF4-FFF2-40B4-BE49-F238E27FC236}">
-                <a16:creationId xmlns:a16="http://schemas.microsoft.com/office/drawing/2014/main" id="{E287D32C-166A-4FBE-B24D-C25769095429}"/>
-              </a:ext>
-            </a:extLst>
-          </p:cNvPr>
+          <p:cNvPr id="3" name="Text Placeholder 2"/>
           <p:cNvSpPr>
             <a:spLocks noGrp="1"/>
           </p:cNvSpPr>
@@ -1852,18 +1571,13 @@
               <a:rPr lang="en-US" dirty="0"/>
               <a:t>Click to edit Master text styles</a:t>
             </a:r>
-          </a:p>
-        </p:txBody>
-      </p:sp>
-      <p:sp>
-        <p:nvSpPr>
-          <p:cNvPr id="4" name="Content Placeholder 3">
-            <a:extLst>
-              <a:ext uri="{FF2B5EF4-FFF2-40B4-BE49-F238E27FC236}">
-                <a16:creationId xmlns:a16="http://schemas.microsoft.com/office/drawing/2014/main" id="{DA9EC567-F249-462A-B71A-9C40D50E26AA}"/>
-              </a:ext>
-            </a:extLst>
-          </p:cNvPr>
+            <a:endParaRPr lang="en-US" dirty="0"/>
+          </a:p>
+        </p:txBody>
+      </p:sp>
+      <p:sp>
+        <p:nvSpPr>
+          <p:cNvPr id="4" name="Content Placeholder 3"/>
           <p:cNvSpPr>
             <a:spLocks noGrp="1"/>
           </p:cNvSpPr>
@@ -1886,6 +1600,7 @@
               <a:rPr lang="en-US" dirty="0"/>
               <a:t>Click to edit Master text styles</a:t>
             </a:r>
+            <a:endParaRPr lang="en-US" dirty="0"/>
           </a:p>
           <a:p>
             <a:pPr lvl="1"/>
@@ -1893,6 +1608,7 @@
               <a:rPr lang="en-US" dirty="0"/>
               <a:t>Second level</a:t>
             </a:r>
+            <a:endParaRPr lang="en-US" dirty="0"/>
           </a:p>
           <a:p>
             <a:pPr lvl="2"/>
@@ -1900,6 +1616,7 @@
               <a:rPr lang="en-US" dirty="0"/>
               <a:t>Third level</a:t>
             </a:r>
+            <a:endParaRPr lang="en-US" dirty="0"/>
           </a:p>
           <a:p>
             <a:pPr lvl="3"/>
@@ -1907,6 +1624,7 @@
               <a:rPr lang="en-US" dirty="0"/>
               <a:t>Fourth level</a:t>
             </a:r>
+            <a:endParaRPr lang="en-US" dirty="0"/>
           </a:p>
           <a:p>
             <a:pPr lvl="4"/>
@@ -1914,18 +1632,13 @@
               <a:rPr lang="en-US" dirty="0"/>
               <a:t>Fifth level</a:t>
             </a:r>
-          </a:p>
-        </p:txBody>
-      </p:sp>
-      <p:sp>
-        <p:nvSpPr>
-          <p:cNvPr id="5" name="Text Placeholder 4">
-            <a:extLst>
-              <a:ext uri="{FF2B5EF4-FFF2-40B4-BE49-F238E27FC236}">
-                <a16:creationId xmlns:a16="http://schemas.microsoft.com/office/drawing/2014/main" id="{3BB7D2C6-69D1-4DE4-BF68-5FB0623DB9E3}"/>
-              </a:ext>
-            </a:extLst>
-          </p:cNvPr>
+            <a:endParaRPr lang="en-US" dirty="0"/>
+          </a:p>
+        </p:txBody>
+      </p:sp>
+      <p:sp>
+        <p:nvSpPr>
+          <p:cNvPr id="5" name="Text Placeholder 4"/>
           <p:cNvSpPr>
             <a:spLocks noGrp="1"/>
           </p:cNvSpPr>
@@ -1985,18 +1698,13 @@
               <a:rPr lang="en-US" dirty="0"/>
               <a:t>Click to edit Master text styles</a:t>
             </a:r>
-          </a:p>
-        </p:txBody>
-      </p:sp>
-      <p:sp>
-        <p:nvSpPr>
-          <p:cNvPr id="6" name="Content Placeholder 5">
-            <a:extLst>
-              <a:ext uri="{FF2B5EF4-FFF2-40B4-BE49-F238E27FC236}">
-                <a16:creationId xmlns:a16="http://schemas.microsoft.com/office/drawing/2014/main" id="{53367CC7-ED09-4F8D-A39A-C5969D33B9F8}"/>
-              </a:ext>
-            </a:extLst>
-          </p:cNvPr>
+            <a:endParaRPr lang="en-US" dirty="0"/>
+          </a:p>
+        </p:txBody>
+      </p:sp>
+      <p:sp>
+        <p:nvSpPr>
+          <p:cNvPr id="6" name="Content Placeholder 5"/>
           <p:cNvSpPr>
             <a:spLocks noGrp="1"/>
           </p:cNvSpPr>
@@ -2019,6 +1727,7 @@
               <a:rPr lang="en-US" dirty="0"/>
               <a:t>Click to edit Master text styles</a:t>
             </a:r>
+            <a:endParaRPr lang="en-US" dirty="0"/>
           </a:p>
           <a:p>
             <a:pPr lvl="1"/>
@@ -2026,6 +1735,7 @@
               <a:rPr lang="en-US" dirty="0"/>
               <a:t>Second level</a:t>
             </a:r>
+            <a:endParaRPr lang="en-US" dirty="0"/>
           </a:p>
           <a:p>
             <a:pPr lvl="2"/>
@@ -2033,6 +1743,7 @@
               <a:rPr lang="en-US" dirty="0"/>
               <a:t>Third level</a:t>
             </a:r>
+            <a:endParaRPr lang="en-US" dirty="0"/>
           </a:p>
           <a:p>
             <a:pPr lvl="3"/>
@@ -2040,6 +1751,7 @@
               <a:rPr lang="en-US" dirty="0"/>
               <a:t>Fourth level</a:t>
             </a:r>
+            <a:endParaRPr lang="en-US" dirty="0"/>
           </a:p>
           <a:p>
             <a:pPr lvl="4"/>
@@ -2047,18 +1759,13 @@
               <a:rPr lang="en-US" dirty="0"/>
               <a:t>Fifth level</a:t>
             </a:r>
-          </a:p>
-        </p:txBody>
-      </p:sp>
-      <p:sp>
-        <p:nvSpPr>
-          <p:cNvPr id="10" name="Date Placeholder 9">
-            <a:extLst>
-              <a:ext uri="{FF2B5EF4-FFF2-40B4-BE49-F238E27FC236}">
-                <a16:creationId xmlns:a16="http://schemas.microsoft.com/office/drawing/2014/main" id="{5F92A44F-DE98-4FB5-B474-5DCCDD267A79}"/>
-              </a:ext>
-            </a:extLst>
-          </p:cNvPr>
+            <a:endParaRPr lang="en-US" dirty="0"/>
+          </a:p>
+        </p:txBody>
+      </p:sp>
+      <p:sp>
+        <p:nvSpPr>
+          <p:cNvPr id="10" name="Date Placeholder 9"/>
           <p:cNvSpPr>
             <a:spLocks noGrp="1"/>
           </p:cNvSpPr>
@@ -2074,8 +1781,6 @@
             <a:pPr algn="r"/>
             <a:fld id="{A37D6D71-8B28-4ED6-B932-04B197003D23}" type="datetimeFigureOut">
               <a:rPr lang="en-US" dirty="0"/>
-              <a:pPr algn="r"/>
-              <a:t>12/10/2025</a:t>
             </a:fld>
             <a:endParaRPr lang="en-US" dirty="0"/>
           </a:p>
@@ -2083,13 +1788,7 @@
       </p:sp>
       <p:sp>
         <p:nvSpPr>
-          <p:cNvPr id="11" name="Footer Placeholder 10">
-            <a:extLst>
-              <a:ext uri="{FF2B5EF4-FFF2-40B4-BE49-F238E27FC236}">
-                <a16:creationId xmlns:a16="http://schemas.microsoft.com/office/drawing/2014/main" id="{3ACC79DA-A9E4-4E93-93F1-81907A901BBB}"/>
-              </a:ext>
-            </a:extLst>
-          </p:cNvPr>
+          <p:cNvPr id="11" name="Footer Placeholder 10"/>
           <p:cNvSpPr>
             <a:spLocks noGrp="1"/>
           </p:cNvSpPr>
@@ -2112,13 +1811,7 @@
       </p:sp>
       <p:sp>
         <p:nvSpPr>
-          <p:cNvPr id="12" name="Slide Number Placeholder 11">
-            <a:extLst>
-              <a:ext uri="{FF2B5EF4-FFF2-40B4-BE49-F238E27FC236}">
-                <a16:creationId xmlns:a16="http://schemas.microsoft.com/office/drawing/2014/main" id="{404DFE57-AA80-4ED8-AD77-35CC56F3FBC6}"/>
-              </a:ext>
-            </a:extLst>
-          </p:cNvPr>
+          <p:cNvPr id="12" name="Slide Number Placeholder 11"/>
           <p:cNvSpPr>
             <a:spLocks noGrp="1"/>
           </p:cNvSpPr>
@@ -2134,8 +1827,6 @@
             <a:pPr algn="l"/>
             <a:fld id="{F97E8200-1950-409B-82E7-99938E7AE355}" type="slidenum">
               <a:rPr lang="en-US" dirty="0"/>
-              <a:pPr algn="l"/>
-              <a:t>‹#›</a:t>
             </a:fld>
             <a:endParaRPr lang="en-US" dirty="0"/>
           </a:p>
@@ -2143,13 +1834,7 @@
       </p:sp>
       <p:sp>
         <p:nvSpPr>
-          <p:cNvPr id="13" name="Title 12">
-            <a:extLst>
-              <a:ext uri="{FF2B5EF4-FFF2-40B4-BE49-F238E27FC236}">
-                <a16:creationId xmlns:a16="http://schemas.microsoft.com/office/drawing/2014/main" id="{FB62259C-ADDF-4293-AD3B-AB2E04A7483B}"/>
-              </a:ext>
-            </a:extLst>
-          </p:cNvPr>
+          <p:cNvPr id="13" name="Title 12"/>
           <p:cNvSpPr>
             <a:spLocks noGrp="1"/>
           </p:cNvSpPr>
@@ -2166,15 +1851,11 @@
               <a:rPr lang="en-US" dirty="0"/>
               <a:t>Click to edit Master title style</a:t>
             </a:r>
+            <a:endParaRPr lang="en-US" dirty="0"/>
           </a:p>
         </p:txBody>
       </p:sp>
     </p:spTree>
-    <p:extLst>
-      <p:ext uri="{BB962C8B-B14F-4D97-AF65-F5344CB8AC3E}">
-        <p14:creationId xmlns:p14="http://schemas.microsoft.com/office/powerpoint/2010/main" val="3441197849"/>
-      </p:ext>
-    </p:extLst>
   </p:cSld>
   <p:clrMapOvr>
     <a:masterClrMapping/>
@@ -2201,13 +1882,7 @@
       </p:grpSpPr>
       <p:sp>
         <p:nvSpPr>
-          <p:cNvPr id="2" name="Title 1">
-            <a:extLst>
-              <a:ext uri="{FF2B5EF4-FFF2-40B4-BE49-F238E27FC236}">
-                <a16:creationId xmlns:a16="http://schemas.microsoft.com/office/drawing/2014/main" id="{34BC7BA0-DC57-452F-85B7-C979AA690920}"/>
-              </a:ext>
-            </a:extLst>
-          </p:cNvPr>
+          <p:cNvPr id="2" name="Title 1"/>
           <p:cNvSpPr>
             <a:spLocks noGrp="1"/>
           </p:cNvSpPr>
@@ -2224,18 +1899,13 @@
               <a:rPr lang="en-US" dirty="0"/>
               <a:t>Click to edit Master title style</a:t>
             </a:r>
-          </a:p>
-        </p:txBody>
-      </p:sp>
-      <p:sp>
-        <p:nvSpPr>
-          <p:cNvPr id="6" name="Date Placeholder 5">
-            <a:extLst>
-              <a:ext uri="{FF2B5EF4-FFF2-40B4-BE49-F238E27FC236}">
-                <a16:creationId xmlns:a16="http://schemas.microsoft.com/office/drawing/2014/main" id="{F1C53797-8D72-4774-AC93-EB9FDD650CCD}"/>
-              </a:ext>
-            </a:extLst>
-          </p:cNvPr>
+            <a:endParaRPr lang="en-US" dirty="0"/>
+          </a:p>
+        </p:txBody>
+      </p:sp>
+      <p:sp>
+        <p:nvSpPr>
+          <p:cNvPr id="6" name="Date Placeholder 5"/>
           <p:cNvSpPr>
             <a:spLocks noGrp="1"/>
           </p:cNvSpPr>
@@ -2251,8 +1921,6 @@
             <a:pPr algn="r"/>
             <a:fld id="{A37D6D71-8B28-4ED6-B932-04B197003D23}" type="datetimeFigureOut">
               <a:rPr lang="en-US" dirty="0"/>
-              <a:pPr algn="r"/>
-              <a:t>12/10/2025</a:t>
             </a:fld>
             <a:endParaRPr lang="en-US" dirty="0"/>
           </a:p>
@@ -2260,13 +1928,7 @@
       </p:sp>
       <p:sp>
         <p:nvSpPr>
-          <p:cNvPr id="7" name="Footer Placeholder 6">
-            <a:extLst>
-              <a:ext uri="{FF2B5EF4-FFF2-40B4-BE49-F238E27FC236}">
-                <a16:creationId xmlns:a16="http://schemas.microsoft.com/office/drawing/2014/main" id="{9E945AB7-1A32-4516-ABF9-B40958AE2E73}"/>
-              </a:ext>
-            </a:extLst>
-          </p:cNvPr>
+          <p:cNvPr id="7" name="Footer Placeholder 6"/>
           <p:cNvSpPr>
             <a:spLocks noGrp="1"/>
           </p:cNvSpPr>
@@ -2289,13 +1951,7 @@
       </p:sp>
       <p:sp>
         <p:nvSpPr>
-          <p:cNvPr id="8" name="Slide Number Placeholder 7">
-            <a:extLst>
-              <a:ext uri="{FF2B5EF4-FFF2-40B4-BE49-F238E27FC236}">
-                <a16:creationId xmlns:a16="http://schemas.microsoft.com/office/drawing/2014/main" id="{B22923C3-1D67-4089-A6B1-9A10315E807F}"/>
-              </a:ext>
-            </a:extLst>
-          </p:cNvPr>
+          <p:cNvPr id="8" name="Slide Number Placeholder 7"/>
           <p:cNvSpPr>
             <a:spLocks noGrp="1"/>
           </p:cNvSpPr>
@@ -2311,19 +1967,12 @@
             <a:pPr algn="l"/>
             <a:fld id="{F97E8200-1950-409B-82E7-99938E7AE355}" type="slidenum">
               <a:rPr lang="en-US" dirty="0"/>
-              <a:pPr algn="l"/>
-              <a:t>‹#›</a:t>
             </a:fld>
             <a:endParaRPr lang="en-US" dirty="0"/>
           </a:p>
         </p:txBody>
       </p:sp>
     </p:spTree>
-    <p:extLst>
-      <p:ext uri="{BB962C8B-B14F-4D97-AF65-F5344CB8AC3E}">
-        <p14:creationId xmlns:p14="http://schemas.microsoft.com/office/powerpoint/2010/main" val="2997220854"/>
-      </p:ext>
-    </p:extLst>
   </p:cSld>
   <p:clrMapOvr>
     <a:masterClrMapping/>
@@ -2332,7 +1981,7 @@
 </file>
 
 <file path=ppt/slideLayouts/slideLayout7.xml><?xml version="1.0" encoding="utf-8"?>
-<p:sldLayout xmlns:a="http://schemas.openxmlformats.org/drawingml/2006/main" xmlns:r="http://schemas.openxmlformats.org/officeDocument/2006/relationships" xmlns:p="http://schemas.openxmlformats.org/presentationml/2006/main" showMasterSp="0" type="blank" preserve="1">
+<p:sldLayout xmlns:a="http://schemas.openxmlformats.org/drawingml/2006/main" xmlns:r="http://schemas.openxmlformats.org/officeDocument/2006/relationships" xmlns:p="http://schemas.openxmlformats.org/presentationml/2006/main" type="blank" preserve="1" showMasterSp="0">
   <p:cSld name="Blank">
     <p:spTree>
       <p:nvGrpSpPr>
@@ -2350,13 +1999,7 @@
       </p:grpSpPr>
       <p:sp>
         <p:nvSpPr>
-          <p:cNvPr id="5" name="Date Placeholder 4">
-            <a:extLst>
-              <a:ext uri="{FF2B5EF4-FFF2-40B4-BE49-F238E27FC236}">
-                <a16:creationId xmlns:a16="http://schemas.microsoft.com/office/drawing/2014/main" id="{FC0A8DC1-14F6-453B-A724-D6493F063F83}"/>
-              </a:ext>
-            </a:extLst>
-          </p:cNvPr>
+          <p:cNvPr id="5" name="Date Placeholder 4"/>
           <p:cNvSpPr>
             <a:spLocks noGrp="1"/>
           </p:cNvSpPr>
@@ -2372,8 +2015,6 @@
             <a:pPr algn="r"/>
             <a:fld id="{A37D6D71-8B28-4ED6-B932-04B197003D23}" type="datetimeFigureOut">
               <a:rPr lang="en-US" dirty="0"/>
-              <a:pPr algn="r"/>
-              <a:t>12/10/2025</a:t>
             </a:fld>
             <a:endParaRPr lang="en-US" dirty="0"/>
           </a:p>
@@ -2381,13 +2022,7 @@
       </p:sp>
       <p:sp>
         <p:nvSpPr>
-          <p:cNvPr id="6" name="Footer Placeholder 5">
-            <a:extLst>
-              <a:ext uri="{FF2B5EF4-FFF2-40B4-BE49-F238E27FC236}">
-                <a16:creationId xmlns:a16="http://schemas.microsoft.com/office/drawing/2014/main" id="{66E63FF0-1A91-4698-B12A-112D05373593}"/>
-              </a:ext>
-            </a:extLst>
-          </p:cNvPr>
+          <p:cNvPr id="6" name="Footer Placeholder 5"/>
           <p:cNvSpPr>
             <a:spLocks noGrp="1"/>
           </p:cNvSpPr>
@@ -2410,13 +2045,7 @@
       </p:sp>
       <p:sp>
         <p:nvSpPr>
-          <p:cNvPr id="7" name="Slide Number Placeholder 6">
-            <a:extLst>
-              <a:ext uri="{FF2B5EF4-FFF2-40B4-BE49-F238E27FC236}">
-                <a16:creationId xmlns:a16="http://schemas.microsoft.com/office/drawing/2014/main" id="{1E066D53-44B3-4F04-93FD-9756A60139F9}"/>
-              </a:ext>
-            </a:extLst>
-          </p:cNvPr>
+          <p:cNvPr id="7" name="Slide Number Placeholder 6"/>
           <p:cNvSpPr>
             <a:spLocks noGrp="1"/>
           </p:cNvSpPr>
@@ -2432,19 +2061,12 @@
             <a:pPr algn="l"/>
             <a:fld id="{F97E8200-1950-409B-82E7-99938E7AE355}" type="slidenum">
               <a:rPr lang="en-US" dirty="0"/>
-              <a:pPr algn="l"/>
-              <a:t>‹#›</a:t>
             </a:fld>
             <a:endParaRPr lang="en-US" dirty="0"/>
           </a:p>
         </p:txBody>
       </p:sp>
     </p:spTree>
-    <p:extLst>
-      <p:ext uri="{BB962C8B-B14F-4D97-AF65-F5344CB8AC3E}">
-        <p14:creationId xmlns:p14="http://schemas.microsoft.com/office/powerpoint/2010/main" val="354757054"/>
-      </p:ext>
-    </p:extLst>
   </p:cSld>
   <p:clrMapOvr>
     <a:masterClrMapping/>
@@ -2471,13 +2093,7 @@
       </p:grpSpPr>
       <p:sp>
         <p:nvSpPr>
-          <p:cNvPr id="3" name="Content Placeholder 2">
-            <a:extLst>
-              <a:ext uri="{FF2B5EF4-FFF2-40B4-BE49-F238E27FC236}">
-                <a16:creationId xmlns:a16="http://schemas.microsoft.com/office/drawing/2014/main" id="{4083A0FE-F7E3-433E-9A29-D778690D223A}"/>
-              </a:ext>
-            </a:extLst>
-          </p:cNvPr>
+          <p:cNvPr id="3" name="Content Placeholder 2"/>
           <p:cNvSpPr>
             <a:spLocks noGrp="1"/>
           </p:cNvSpPr>
@@ -2528,6 +2144,7 @@
               <a:rPr lang="en-US" dirty="0"/>
               <a:t>Click to edit Master text styles</a:t>
             </a:r>
+            <a:endParaRPr lang="en-US" dirty="0"/>
           </a:p>
           <a:p>
             <a:pPr lvl="1"/>
@@ -2535,6 +2152,7 @@
               <a:rPr lang="en-US" dirty="0"/>
               <a:t>Second level</a:t>
             </a:r>
+            <a:endParaRPr lang="en-US" dirty="0"/>
           </a:p>
           <a:p>
             <a:pPr lvl="2"/>
@@ -2542,6 +2160,7 @@
               <a:rPr lang="en-US" dirty="0"/>
               <a:t>Third level</a:t>
             </a:r>
+            <a:endParaRPr lang="en-US" dirty="0"/>
           </a:p>
           <a:p>
             <a:pPr lvl="3"/>
@@ -2549,6 +2168,7 @@
               <a:rPr lang="en-US" dirty="0"/>
               <a:t>Fourth level</a:t>
             </a:r>
+            <a:endParaRPr lang="en-US" dirty="0"/>
           </a:p>
           <a:p>
             <a:pPr lvl="4"/>
@@ -2556,18 +2176,13 @@
               <a:rPr lang="en-US" dirty="0"/>
               <a:t>Fifth level</a:t>
             </a:r>
-          </a:p>
-        </p:txBody>
-      </p:sp>
-      <p:sp>
-        <p:nvSpPr>
-          <p:cNvPr id="4" name="Text Placeholder 3">
-            <a:extLst>
-              <a:ext uri="{FF2B5EF4-FFF2-40B4-BE49-F238E27FC236}">
-                <a16:creationId xmlns:a16="http://schemas.microsoft.com/office/drawing/2014/main" id="{1794B15D-55F5-4208-AF40-41CAFEB56F4C}"/>
-              </a:ext>
-            </a:extLst>
-          </p:cNvPr>
+            <a:endParaRPr lang="en-US" dirty="0"/>
+          </a:p>
+        </p:txBody>
+      </p:sp>
+      <p:sp>
+        <p:nvSpPr>
+          <p:cNvPr id="4" name="Text Placeholder 3"/>
           <p:cNvSpPr>
             <a:spLocks noGrp="1"/>
           </p:cNvSpPr>
@@ -2629,18 +2244,13 @@
               <a:rPr lang="en-US" dirty="0"/>
               <a:t>Click to edit Master text styles</a:t>
             </a:r>
-          </a:p>
-        </p:txBody>
-      </p:sp>
-      <p:sp>
-        <p:nvSpPr>
-          <p:cNvPr id="8" name="Date Placeholder 7">
-            <a:extLst>
-              <a:ext uri="{FF2B5EF4-FFF2-40B4-BE49-F238E27FC236}">
-                <a16:creationId xmlns:a16="http://schemas.microsoft.com/office/drawing/2014/main" id="{E8A46CE7-2F0F-4C85-B633-B9FCB8347AE7}"/>
-              </a:ext>
-            </a:extLst>
-          </p:cNvPr>
+            <a:endParaRPr lang="en-US" dirty="0"/>
+          </a:p>
+        </p:txBody>
+      </p:sp>
+      <p:sp>
+        <p:nvSpPr>
+          <p:cNvPr id="8" name="Date Placeholder 7"/>
           <p:cNvSpPr>
             <a:spLocks noGrp="1"/>
           </p:cNvSpPr>
@@ -2656,8 +2266,6 @@
             <a:pPr algn="r"/>
             <a:fld id="{A37D6D71-8B28-4ED6-B932-04B197003D23}" type="datetimeFigureOut">
               <a:rPr lang="en-US" dirty="0"/>
-              <a:pPr algn="r"/>
-              <a:t>12/10/2025</a:t>
             </a:fld>
             <a:endParaRPr lang="en-US" dirty="0"/>
           </a:p>
@@ -2665,13 +2273,7 @@
       </p:sp>
       <p:sp>
         <p:nvSpPr>
-          <p:cNvPr id="9" name="Footer Placeholder 8">
-            <a:extLst>
-              <a:ext uri="{FF2B5EF4-FFF2-40B4-BE49-F238E27FC236}">
-                <a16:creationId xmlns:a16="http://schemas.microsoft.com/office/drawing/2014/main" id="{D0900919-3A73-4918-9D97-8DBE7ABB7A19}"/>
-              </a:ext>
-            </a:extLst>
-          </p:cNvPr>
+          <p:cNvPr id="9" name="Footer Placeholder 8"/>
           <p:cNvSpPr>
             <a:spLocks noGrp="1"/>
           </p:cNvSpPr>
@@ -2694,13 +2296,7 @@
       </p:sp>
       <p:sp>
         <p:nvSpPr>
-          <p:cNvPr id="10" name="Slide Number Placeholder 9">
-            <a:extLst>
-              <a:ext uri="{FF2B5EF4-FFF2-40B4-BE49-F238E27FC236}">
-                <a16:creationId xmlns:a16="http://schemas.microsoft.com/office/drawing/2014/main" id="{08BC1001-E44E-4A9A-9E60-2E319A844F65}"/>
-              </a:ext>
-            </a:extLst>
-          </p:cNvPr>
+          <p:cNvPr id="10" name="Slide Number Placeholder 9"/>
           <p:cNvSpPr>
             <a:spLocks noGrp="1"/>
           </p:cNvSpPr>
@@ -2716,8 +2312,6 @@
             <a:pPr algn="l"/>
             <a:fld id="{F97E8200-1950-409B-82E7-99938E7AE355}" type="slidenum">
               <a:rPr lang="en-US" dirty="0"/>
-              <a:pPr algn="l"/>
-              <a:t>‹#›</a:t>
             </a:fld>
             <a:endParaRPr lang="en-US" dirty="0"/>
           </a:p>
@@ -2725,13 +2319,7 @@
       </p:sp>
       <p:sp>
         <p:nvSpPr>
-          <p:cNvPr id="11" name="Title 10">
-            <a:extLst>
-              <a:ext uri="{FF2B5EF4-FFF2-40B4-BE49-F238E27FC236}">
-                <a16:creationId xmlns:a16="http://schemas.microsoft.com/office/drawing/2014/main" id="{A125AC31-022C-40AA-B65C-C9AC48395A6E}"/>
-              </a:ext>
-            </a:extLst>
-          </p:cNvPr>
+          <p:cNvPr id="11" name="Title 10"/>
           <p:cNvSpPr>
             <a:spLocks noGrp="1"/>
           </p:cNvSpPr>
@@ -2748,15 +2336,11 @@
               <a:rPr lang="en-US" dirty="0"/>
               <a:t>Click to edit Master title style</a:t>
             </a:r>
+            <a:endParaRPr lang="en-US" dirty="0"/>
           </a:p>
         </p:txBody>
       </p:sp>
     </p:spTree>
-    <p:extLst>
-      <p:ext uri="{BB962C8B-B14F-4D97-AF65-F5344CB8AC3E}">
-        <p14:creationId xmlns:p14="http://schemas.microsoft.com/office/powerpoint/2010/main" val="1149146963"/>
-      </p:ext>
-    </p:extLst>
   </p:cSld>
   <p:clrMapOvr>
     <a:masterClrMapping/>
@@ -2783,13 +2367,7 @@
       </p:grpSpPr>
       <p:sp>
         <p:nvSpPr>
-          <p:cNvPr id="3" name="Picture Placeholder 2">
-            <a:extLst>
-              <a:ext uri="{FF2B5EF4-FFF2-40B4-BE49-F238E27FC236}">
-                <a16:creationId xmlns:a16="http://schemas.microsoft.com/office/drawing/2014/main" id="{A797A575-703F-410E-9A84-F9B578FEAE80}"/>
-              </a:ext>
-            </a:extLst>
-          </p:cNvPr>
+          <p:cNvPr id="3" name="Picture Placeholder 2"/>
           <p:cNvSpPr>
             <a:spLocks noGrp="1" noChangeAspect="1"/>
           </p:cNvSpPr>
@@ -2858,13 +2436,7 @@
       </p:sp>
       <p:sp>
         <p:nvSpPr>
-          <p:cNvPr id="4" name="Text Placeholder 3">
-            <a:extLst>
-              <a:ext uri="{FF2B5EF4-FFF2-40B4-BE49-F238E27FC236}">
-                <a16:creationId xmlns:a16="http://schemas.microsoft.com/office/drawing/2014/main" id="{1518B509-934D-400A-A922-45B61AC6EDD8}"/>
-              </a:ext>
-            </a:extLst>
-          </p:cNvPr>
+          <p:cNvPr id="4" name="Text Placeholder 3"/>
           <p:cNvSpPr>
             <a:spLocks noGrp="1"/>
           </p:cNvSpPr>
@@ -2926,18 +2498,13 @@
               <a:rPr lang="en-US" dirty="0"/>
               <a:t>Click to edit Master text styles</a:t>
             </a:r>
-          </a:p>
-        </p:txBody>
-      </p:sp>
-      <p:sp>
-        <p:nvSpPr>
-          <p:cNvPr id="8" name="Date Placeholder 7">
-            <a:extLst>
-              <a:ext uri="{FF2B5EF4-FFF2-40B4-BE49-F238E27FC236}">
-                <a16:creationId xmlns:a16="http://schemas.microsoft.com/office/drawing/2014/main" id="{99813C51-6954-4F3A-A043-D1BCC8B50F83}"/>
-              </a:ext>
-            </a:extLst>
-          </p:cNvPr>
+            <a:endParaRPr lang="en-US" dirty="0"/>
+          </a:p>
+        </p:txBody>
+      </p:sp>
+      <p:sp>
+        <p:nvSpPr>
+          <p:cNvPr id="8" name="Date Placeholder 7"/>
           <p:cNvSpPr>
             <a:spLocks noGrp="1"/>
           </p:cNvSpPr>
@@ -2953,8 +2520,6 @@
             <a:pPr algn="r"/>
             <a:fld id="{A37D6D71-8B28-4ED6-B932-04B197003D23}" type="datetimeFigureOut">
               <a:rPr lang="en-US" dirty="0"/>
-              <a:pPr algn="r"/>
-              <a:t>12/10/2025</a:t>
             </a:fld>
             <a:endParaRPr lang="en-US" dirty="0"/>
           </a:p>
@@ -2962,13 +2527,7 @@
       </p:sp>
       <p:sp>
         <p:nvSpPr>
-          <p:cNvPr id="9" name="Footer Placeholder 8">
-            <a:extLst>
-              <a:ext uri="{FF2B5EF4-FFF2-40B4-BE49-F238E27FC236}">
-                <a16:creationId xmlns:a16="http://schemas.microsoft.com/office/drawing/2014/main" id="{C0AC32FB-49A3-40E4-9D24-177597043627}"/>
-              </a:ext>
-            </a:extLst>
-          </p:cNvPr>
+          <p:cNvPr id="9" name="Footer Placeholder 8"/>
           <p:cNvSpPr>
             <a:spLocks noGrp="1"/>
           </p:cNvSpPr>
@@ -3010,13 +2569,7 @@
       </p:sp>
       <p:sp>
         <p:nvSpPr>
-          <p:cNvPr id="10" name="Slide Number Placeholder 9">
-            <a:extLst>
-              <a:ext uri="{FF2B5EF4-FFF2-40B4-BE49-F238E27FC236}">
-                <a16:creationId xmlns:a16="http://schemas.microsoft.com/office/drawing/2014/main" id="{EC93F5E6-DAE6-447B-8038-5F4C9A799F57}"/>
-              </a:ext>
-            </a:extLst>
-          </p:cNvPr>
+          <p:cNvPr id="10" name="Slide Number Placeholder 9"/>
           <p:cNvSpPr>
             <a:spLocks noGrp="1"/>
           </p:cNvSpPr>
@@ -3032,8 +2585,6 @@
             <a:pPr algn="l"/>
             <a:fld id="{F97E8200-1950-409B-82E7-99938E7AE355}" type="slidenum">
               <a:rPr lang="en-US" dirty="0"/>
-              <a:pPr algn="l"/>
-              <a:t>‹#›</a:t>
             </a:fld>
             <a:endParaRPr lang="en-US" dirty="0"/>
           </a:p>
@@ -3041,13 +2592,7 @@
       </p:sp>
       <p:sp>
         <p:nvSpPr>
-          <p:cNvPr id="2" name="Title 1">
-            <a:extLst>
-              <a:ext uri="{FF2B5EF4-FFF2-40B4-BE49-F238E27FC236}">
-                <a16:creationId xmlns:a16="http://schemas.microsoft.com/office/drawing/2014/main" id="{9BFF97FB-514D-4FE8-A9A4-E9A111A56ED4}"/>
-              </a:ext>
-            </a:extLst>
-          </p:cNvPr>
+          <p:cNvPr id="2" name="Title 1"/>
           <p:cNvSpPr>
             <a:spLocks noGrp="1"/>
           </p:cNvSpPr>
@@ -3064,15 +2609,11 @@
               <a:rPr lang="en-US" dirty="0"/>
               <a:t>Click to edit Master title style</a:t>
             </a:r>
+            <a:endParaRPr lang="en-US" dirty="0"/>
           </a:p>
         </p:txBody>
       </p:sp>
     </p:spTree>
-    <p:extLst>
-      <p:ext uri="{BB962C8B-B14F-4D97-AF65-F5344CB8AC3E}">
-        <p14:creationId xmlns:p14="http://schemas.microsoft.com/office/powerpoint/2010/main" val="3548108888"/>
-      </p:ext>
-    </p:extLst>
   </p:cSld>
   <p:clrMapOvr>
     <a:masterClrMapping/>
@@ -3104,13 +2645,7 @@
       </p:grpSpPr>
       <p:sp>
         <p:nvSpPr>
-          <p:cNvPr id="8" name="Rectangle 7">
-            <a:extLst>
-              <a:ext uri="{FF2B5EF4-FFF2-40B4-BE49-F238E27FC236}">
-                <a16:creationId xmlns:a16="http://schemas.microsoft.com/office/drawing/2014/main" id="{1D153959-30FA-4987-A094-7243641F474B}"/>
-              </a:ext>
-            </a:extLst>
-          </p:cNvPr>
+          <p:cNvPr id="8" name="Rectangle 7"/>
           <p:cNvSpPr/>
           <p:nvPr/>
         </p:nvSpPr>
@@ -3155,13 +2690,7 @@
       </p:sp>
       <p:sp>
         <p:nvSpPr>
-          <p:cNvPr id="2" name="Title Placeholder 1">
-            <a:extLst>
-              <a:ext uri="{FF2B5EF4-FFF2-40B4-BE49-F238E27FC236}">
-                <a16:creationId xmlns:a16="http://schemas.microsoft.com/office/drawing/2014/main" id="{50216229-A6DB-436A-B327-667E80F0A563}"/>
-              </a:ext>
-            </a:extLst>
-          </p:cNvPr>
+          <p:cNvPr id="2" name="Title Placeholder 1"/>
           <p:cNvSpPr>
             <a:spLocks noGrp="1"/>
           </p:cNvSpPr>
@@ -3188,18 +2717,13 @@
               <a:rPr lang="en-US" dirty="0"/>
               <a:t>Click to edit Master title style</a:t>
             </a:r>
-          </a:p>
-        </p:txBody>
-      </p:sp>
-      <p:sp>
-        <p:nvSpPr>
-          <p:cNvPr id="3" name="Text Placeholder 2">
-            <a:extLst>
-              <a:ext uri="{FF2B5EF4-FFF2-40B4-BE49-F238E27FC236}">
-                <a16:creationId xmlns:a16="http://schemas.microsoft.com/office/drawing/2014/main" id="{7B2B351D-270D-480D-8AF5-6A213ED2B3FB}"/>
-              </a:ext>
-            </a:extLst>
-          </p:cNvPr>
+            <a:endParaRPr lang="en-US" dirty="0"/>
+          </a:p>
+        </p:txBody>
+      </p:sp>
+      <p:sp>
+        <p:nvSpPr>
+          <p:cNvPr id="3" name="Text Placeholder 2"/>
           <p:cNvSpPr>
             <a:spLocks noGrp="1"/>
           </p:cNvSpPr>
@@ -3227,6 +2751,7 @@
               <a:rPr lang="en-US" dirty="0"/>
               <a:t>Click to edit Master text styles</a:t>
             </a:r>
+            <a:endParaRPr lang="en-US" dirty="0"/>
           </a:p>
           <a:p>
             <a:pPr lvl="1"/>
@@ -3234,6 +2759,7 @@
               <a:rPr lang="en-US" dirty="0"/>
               <a:t>Second level</a:t>
             </a:r>
+            <a:endParaRPr lang="en-US" dirty="0"/>
           </a:p>
           <a:p>
             <a:pPr lvl="2"/>
@@ -3241,6 +2767,7 @@
               <a:rPr lang="en-US" dirty="0"/>
               <a:t>Third level</a:t>
             </a:r>
+            <a:endParaRPr lang="en-US" dirty="0"/>
           </a:p>
           <a:p>
             <a:pPr lvl="3"/>
@@ -3248,6 +2775,7 @@
               <a:rPr lang="en-US" dirty="0"/>
               <a:t>Fourth level</a:t>
             </a:r>
+            <a:endParaRPr lang="en-US" dirty="0"/>
           </a:p>
           <a:p>
             <a:pPr lvl="4"/>
@@ -3255,18 +2783,13 @@
               <a:rPr lang="en-US" dirty="0"/>
               <a:t>Fifth level</a:t>
             </a:r>
-          </a:p>
-        </p:txBody>
-      </p:sp>
-      <p:sp>
-        <p:nvSpPr>
-          <p:cNvPr id="4" name="Date Placeholder 3">
-            <a:extLst>
-              <a:ext uri="{FF2B5EF4-FFF2-40B4-BE49-F238E27FC236}">
-                <a16:creationId xmlns:a16="http://schemas.microsoft.com/office/drawing/2014/main" id="{E1EB0E73-3310-4A8F-BB4A-7A6A99121A61}"/>
-              </a:ext>
-            </a:extLst>
-          </p:cNvPr>
+            <a:endParaRPr lang="en-US" dirty="0"/>
+          </a:p>
+        </p:txBody>
+      </p:sp>
+      <p:sp>
+        <p:nvSpPr>
+          <p:cNvPr id="4" name="Date Placeholder 3"/>
           <p:cNvSpPr>
             <a:spLocks noGrp="1"/>
           </p:cNvSpPr>
@@ -3298,8 +2821,6 @@
             <a:pPr algn="r"/>
             <a:fld id="{A37D6D71-8B28-4ED6-B932-04B197003D23}" type="datetimeFigureOut">
               <a:rPr lang="en-US" dirty="0"/>
-              <a:pPr algn="r"/>
-              <a:t>12/10/2025</a:t>
             </a:fld>
             <a:endParaRPr lang="en-US" spc="50" dirty="0"/>
           </a:p>
@@ -3307,13 +2828,7 @@
       </p:sp>
       <p:sp>
         <p:nvSpPr>
-          <p:cNvPr id="5" name="Footer Placeholder 4">
-            <a:extLst>
-              <a:ext uri="{FF2B5EF4-FFF2-40B4-BE49-F238E27FC236}">
-                <a16:creationId xmlns:a16="http://schemas.microsoft.com/office/drawing/2014/main" id="{1381C4C0-515B-4404-A780-C31E7DFE54A4}"/>
-              </a:ext>
-            </a:extLst>
-          </p:cNvPr>
+          <p:cNvPr id="5" name="Footer Placeholder 4"/>
           <p:cNvSpPr>
             <a:spLocks noGrp="1"/>
           </p:cNvSpPr>
@@ -3348,13 +2863,7 @@
       </p:sp>
       <p:sp>
         <p:nvSpPr>
-          <p:cNvPr id="6" name="Slide Number Placeholder 5">
-            <a:extLst>
-              <a:ext uri="{FF2B5EF4-FFF2-40B4-BE49-F238E27FC236}">
-                <a16:creationId xmlns:a16="http://schemas.microsoft.com/office/drawing/2014/main" id="{944C30C7-F013-428C-A6F7-A8CCCD14CEF4}"/>
-              </a:ext>
-            </a:extLst>
-          </p:cNvPr>
+          <p:cNvPr id="6" name="Slide Number Placeholder 5"/>
           <p:cNvSpPr>
             <a:spLocks noGrp="1"/>
           </p:cNvSpPr>
@@ -3386,33 +2895,26 @@
             <a:pPr algn="l"/>
             <a:fld id="{F97E8200-1950-409B-82E7-99938E7AE355}" type="slidenum">
               <a:rPr lang="en-US" dirty="0"/>
-              <a:pPr algn="l"/>
-              <a:t>‹#›</a:t>
             </a:fld>
             <a:endParaRPr lang="en-US" dirty="0"/>
           </a:p>
         </p:txBody>
       </p:sp>
     </p:spTree>
-    <p:extLst>
-      <p:ext uri="{BB962C8B-B14F-4D97-AF65-F5344CB8AC3E}">
-        <p14:creationId xmlns:p14="http://schemas.microsoft.com/office/powerpoint/2010/main" val="2743431661"/>
-      </p:ext>
-    </p:extLst>
   </p:cSld>
   <p:clrMap bg1="lt1" tx1="dk1" bg2="lt2" tx2="dk2" accent1="accent1" accent2="accent2" accent3="accent3" accent4="accent4" accent5="accent5" accent6="accent6" hlink="hlink" folHlink="folHlink"/>
   <p:sldLayoutIdLst>
-    <p:sldLayoutId id="2147483685" r:id="rId1"/>
-    <p:sldLayoutId id="2147483686" r:id="rId2"/>
-    <p:sldLayoutId id="2147483687" r:id="rId3"/>
-    <p:sldLayoutId id="2147483688" r:id="rId4"/>
-    <p:sldLayoutId id="2147483689" r:id="rId5"/>
-    <p:sldLayoutId id="2147483690" r:id="rId6"/>
-    <p:sldLayoutId id="2147483691" r:id="rId7"/>
-    <p:sldLayoutId id="2147483692" r:id="rId8"/>
-    <p:sldLayoutId id="2147483693" r:id="rId9"/>
-    <p:sldLayoutId id="2147483694" r:id="rId10"/>
-    <p:sldLayoutId id="2147483695" r:id="rId11"/>
+    <p:sldLayoutId id="2147483649" r:id="rId1"/>
+    <p:sldLayoutId id="2147483650" r:id="rId2"/>
+    <p:sldLayoutId id="2147483651" r:id="rId3"/>
+    <p:sldLayoutId id="2147483652" r:id="rId4"/>
+    <p:sldLayoutId id="2147483653" r:id="rId5"/>
+    <p:sldLayoutId id="2147483654" r:id="rId6"/>
+    <p:sldLayoutId id="2147483655" r:id="rId7"/>
+    <p:sldLayoutId id="2147483656" r:id="rId8"/>
+    <p:sldLayoutId id="2147483657" r:id="rId9"/>
+    <p:sldLayoutId id="2147483658" r:id="rId10"/>
+    <p:sldLayoutId id="2147483659" r:id="rId11"/>
   </p:sldLayoutIdLst>
   <p:txStyles>
     <p:titleStyle>
@@ -3733,17 +3235,15 @@
       </p:grpSpPr>
       <p:pic>
         <p:nvPicPr>
-          <p:cNvPr id="5" name="Picture 4" descr="A person wearing a white scarf&#10;&#10;AI-generated content may be incorrect.">
-            <a:extLst>
-              <a:ext uri="{FF2B5EF4-FFF2-40B4-BE49-F238E27FC236}">
-                <a16:creationId xmlns:a16="http://schemas.microsoft.com/office/drawing/2014/main" id="{02C9DA66-F146-C24D-367D-7266A2C128A8}"/>
-              </a:ext>
-            </a:extLst>
-          </p:cNvPr>
+          <p:cNvPr id="5" name="Picture 4" descr="A person wearing a white scarf&#10;&#10;AI-generated content may be incorrect."/>
           <p:cNvPicPr>
             <a:picLocks noChangeAspect="1"/>
           </p:cNvPicPr>
-          <p:nvPr/>
+          <p:nvPr>
+            <p:custDataLst>
+              <p:tags r:id="rId1"/>
+            </p:custDataLst>
+          </p:nvPr>
         </p:nvPicPr>
         <p:blipFill>
           <a:blip r:embed="rId2">
@@ -3769,15 +3269,13 @@
       </p:pic>
       <p:sp>
         <p:nvSpPr>
-          <p:cNvPr id="6" name="TextBox 5">
-            <a:extLst>
-              <a:ext uri="{FF2B5EF4-FFF2-40B4-BE49-F238E27FC236}">
-                <a16:creationId xmlns:a16="http://schemas.microsoft.com/office/drawing/2014/main" id="{15B04B66-7945-366D-432E-60A2D5842E2C}"/>
-              </a:ext>
-            </a:extLst>
-          </p:cNvPr>
+          <p:cNvPr id="6" name="TextBox 5"/>
           <p:cNvSpPr txBox="1"/>
-          <p:nvPr/>
+          <p:nvPr>
+            <p:custDataLst>
+              <p:tags r:id="rId3"/>
+            </p:custDataLst>
+          </p:nvPr>
         </p:nvSpPr>
         <p:spPr>
           <a:xfrm>
@@ -3799,25 +3297,24 @@
               <a:rPr lang="en-CA" dirty="0"/>
               <a:t>Ghinwa Bahij</a:t>
             </a:r>
+            <a:endParaRPr lang="en-CA" dirty="0"/>
           </a:p>
         </p:txBody>
       </p:sp>
       <p:pic>
         <p:nvPicPr>
-          <p:cNvPr id="2" name="Picture 1" descr="A person wearing a garment&#10;&#10;AI-generated content may be incorrect.">
-            <a:extLst>
-              <a:ext uri="{FF2B5EF4-FFF2-40B4-BE49-F238E27FC236}">
-                <a16:creationId xmlns:a16="http://schemas.microsoft.com/office/drawing/2014/main" id="{F452286C-9641-98B0-7D6F-09A86F2AE1C2}"/>
-              </a:ext>
-            </a:extLst>
-          </p:cNvPr>
+          <p:cNvPr id="2" name="Picture 1" descr="A person wearing a garment&#10;&#10;AI-generated content may be incorrect."/>
           <p:cNvPicPr>
             <a:picLocks noChangeAspect="1"/>
           </p:cNvPicPr>
-          <p:nvPr/>
+          <p:nvPr>
+            <p:custDataLst>
+              <p:tags r:id="rId4"/>
+            </p:custDataLst>
+          </p:nvPr>
         </p:nvPicPr>
         <p:blipFill>
-          <a:blip r:embed="rId3"/>
+          <a:blip r:embed="rId5"/>
           <a:srcRect t="17463" r="-518" b="-79"/>
           <a:stretch>
             <a:fillRect/>
@@ -3835,15 +3332,13 @@
       </p:pic>
       <p:sp>
         <p:nvSpPr>
-          <p:cNvPr id="3" name="TextBox 2">
-            <a:extLst>
-              <a:ext uri="{FF2B5EF4-FFF2-40B4-BE49-F238E27FC236}">
-                <a16:creationId xmlns:a16="http://schemas.microsoft.com/office/drawing/2014/main" id="{159FA1B9-CA28-DC69-A059-C6709CD033A8}"/>
-              </a:ext>
-            </a:extLst>
-          </p:cNvPr>
+          <p:cNvPr id="3" name="TextBox 2"/>
           <p:cNvSpPr txBox="1"/>
-          <p:nvPr/>
+          <p:nvPr>
+            <p:custDataLst>
+              <p:tags r:id="rId6"/>
+            </p:custDataLst>
+          </p:nvPr>
         </p:nvSpPr>
         <p:spPr>
           <a:xfrm>
@@ -3857,9 +3352,6 @@
         </p:spPr>
         <p:txBody>
           <a:bodyPr rot="0" spcFirstLastPara="0" vertOverflow="overflow" horzOverflow="overflow" vert="horz" wrap="square" lIns="91440" tIns="45720" rIns="91440" bIns="45720" numCol="1" spcCol="0" rtlCol="0" fromWordArt="0" anchor="t" anchorCtr="0" forceAA="0" compatLnSpc="1">
-            <a:prstTxWarp prst="textNoShape">
-              <a:avLst/>
-            </a:prstTxWarp>
             <a:spAutoFit/>
           </a:bodyPr>
           <a:lstStyle/>
@@ -3868,25 +3360,20 @@
               <a:rPr lang="en-US" dirty="0"/>
               <a:t>Abishek Bhandari</a:t>
             </a:r>
+            <a:endParaRPr lang="en-US" dirty="0"/>
           </a:p>
         </p:txBody>
       </p:sp>
       <p:pic>
         <p:nvPicPr>
-          <p:cNvPr id="8" name="Picture 7" descr="A black background with white text&#10;&#10;AI-generated content may be incorrect.">
-            <a:extLst>
-              <a:ext uri="{FF2B5EF4-FFF2-40B4-BE49-F238E27FC236}">
-                <a16:creationId xmlns:a16="http://schemas.microsoft.com/office/drawing/2014/main" id="{915B0C8E-5130-2994-A96A-AEB3BC390CE5}"/>
-              </a:ext>
-            </a:extLst>
-          </p:cNvPr>
+          <p:cNvPr id="8" name="Picture 7" descr="A black background with white text&#10;&#10;AI-generated content may be incorrect."/>
           <p:cNvPicPr>
             <a:picLocks noChangeAspect="1"/>
           </p:cNvPicPr>
           <p:nvPr/>
         </p:nvPicPr>
         <p:blipFill>
-          <a:blip r:embed="rId4"/>
+          <a:blip r:embed="rId7"/>
           <a:stretch>
             <a:fillRect/>
           </a:stretch>
@@ -3903,13 +3390,7 @@
       </p:pic>
       <p:sp>
         <p:nvSpPr>
-          <p:cNvPr id="10" name="TextBox 9">
-            <a:extLst>
-              <a:ext uri="{FF2B5EF4-FFF2-40B4-BE49-F238E27FC236}">
-                <a16:creationId xmlns:a16="http://schemas.microsoft.com/office/drawing/2014/main" id="{64530D20-E237-39E8-386F-29764C052D35}"/>
-              </a:ext>
-            </a:extLst>
-          </p:cNvPr>
+          <p:cNvPr id="10" name="TextBox 9"/>
           <p:cNvSpPr txBox="1"/>
           <p:nvPr/>
         </p:nvSpPr>
@@ -3927,9 +3408,6 @@
         </p:spPr>
         <p:txBody>
           <a:bodyPr rot="0" spcFirstLastPara="0" vertOverflow="overflow" horzOverflow="overflow" vert="horz" wrap="square" lIns="91440" tIns="45720" rIns="91440" bIns="45720" numCol="1" spcCol="0" rtlCol="0" fromWordArt="0" anchor="t" anchorCtr="0" forceAA="0" compatLnSpc="1">
-            <a:prstTxWarp prst="textNoShape">
-              <a:avLst/>
-            </a:prstTxWarp>
             <a:spAutoFit/>
           </a:bodyPr>
           <a:lstStyle/>
@@ -3938,25 +3416,24 @@
               <a:rPr lang="en-US" dirty="0"/>
               <a:t>Line mapping Project – Comp 3110</a:t>
             </a:r>
+            <a:endParaRPr lang="en-US" dirty="0"/>
           </a:p>
         </p:txBody>
       </p:sp>
       <p:pic>
         <p:nvPicPr>
-          <p:cNvPr id="7" name="Picture 6" descr="A person wearing headphones&#10;&#10;AI-generated content may be incorrect.">
-            <a:extLst>
-              <a:ext uri="{FF2B5EF4-FFF2-40B4-BE49-F238E27FC236}">
-                <a16:creationId xmlns:a16="http://schemas.microsoft.com/office/drawing/2014/main" id="{F04D6034-C312-4C5E-F1FF-052E0AAE4E73}"/>
-              </a:ext>
-            </a:extLst>
-          </p:cNvPr>
+          <p:cNvPr id="7" name="Picture 6" descr="A person wearing headphones&#10;&#10;AI-generated content may be incorrect."/>
           <p:cNvPicPr>
             <a:picLocks noChangeAspect="1"/>
           </p:cNvPicPr>
-          <p:nvPr/>
+          <p:nvPr>
+            <p:custDataLst>
+              <p:tags r:id="rId8"/>
+            </p:custDataLst>
+          </p:nvPr>
         </p:nvPicPr>
         <p:blipFill>
-          <a:blip r:embed="rId5">
+          <a:blip r:embed="rId9">
             <a:extLst>
               <a:ext uri="{28A0092B-C50C-407E-A947-70E740481C1C}">
                 <a14:useLocalDpi xmlns:a14="http://schemas.microsoft.com/office/drawing/2010/main" val="0"/>
@@ -3979,15 +3456,13 @@
       </p:pic>
       <p:sp>
         <p:nvSpPr>
-          <p:cNvPr id="9" name="TextBox 8">
-            <a:extLst>
-              <a:ext uri="{FF2B5EF4-FFF2-40B4-BE49-F238E27FC236}">
-                <a16:creationId xmlns:a16="http://schemas.microsoft.com/office/drawing/2014/main" id="{D4006928-138A-7649-AF67-FC6D93630A67}"/>
-              </a:ext>
-            </a:extLst>
-          </p:cNvPr>
+          <p:cNvPr id="9" name="TextBox 8"/>
           <p:cNvSpPr txBox="1"/>
-          <p:nvPr/>
+          <p:nvPr>
+            <p:custDataLst>
+              <p:tags r:id="rId10"/>
+            </p:custDataLst>
+          </p:nvPr>
         </p:nvSpPr>
         <p:spPr>
           <a:xfrm>
@@ -4009,20 +3484,107 @@
               <a:rPr lang="en-US" dirty="0"/>
               <a:t>Evan Jolette</a:t>
             </a:r>
+            <a:endParaRPr lang="en-US" dirty="0"/>
+          </a:p>
+        </p:txBody>
+      </p:sp>
+      <p:pic>
+        <p:nvPicPr>
+          <p:cNvPr id="4" name="Picture 3" descr="WhatsApp Image 2025-12-10 at 18.13.06_a06a0a32"/>
+          <p:cNvPicPr>
+            <a:picLocks noChangeAspect="1"/>
+          </p:cNvPicPr>
+          <p:nvPr/>
+        </p:nvPicPr>
+        <p:blipFill>
+          <a:blip r:embed="rId11"/>
+          <a:srcRect l="40428" r="3663" b="147"/>
+          <a:stretch>
+            <a:fillRect/>
+          </a:stretch>
+        </p:blipFill>
+        <p:spPr>
+          <a:xfrm>
+            <a:off x="5282565" y="67310"/>
+            <a:ext cx="2284730" cy="3073400"/>
+          </a:xfrm>
+          <a:prstGeom prst="rect">
+            <a:avLst/>
+          </a:prstGeom>
+        </p:spPr>
+      </p:pic>
+      <p:sp>
+        <p:nvSpPr>
+          <p:cNvPr id="11" name="TextBox 2"/>
+          <p:cNvSpPr txBox="1"/>
+          <p:nvPr/>
+        </p:nvSpPr>
+        <p:spPr>
+          <a:xfrm>
+            <a:off x="5282565" y="3243580"/>
+            <a:ext cx="2284730" cy="368300"/>
+          </a:xfrm>
+          <a:prstGeom prst="rect">
+            <a:avLst/>
+          </a:prstGeom>
+          <a:noFill/>
+        </p:spPr>
+        <p:txBody>
+          <a:bodyPr rot="0" spcFirstLastPara="0" vertOverflow="overflow" horzOverflow="overflow" vert="horz" wrap="square" lIns="91440" tIns="45720" rIns="91440" bIns="45720" numCol="1" spcCol="0" rtlCol="0" fromWordArt="0" anchor="t" anchorCtr="0" forceAA="0" compatLnSpc="1">
+            <a:spAutoFit/>
+          </a:bodyPr>
+          <a:lstStyle/>
+          <a:p>
+            <a:r>
+              <a:rPr lang="en-US" dirty="0"/>
+              <a:t>Ahmed Mohammed</a:t>
+            </a:r>
+            <a:endParaRPr lang="en-US" dirty="0"/>
           </a:p>
         </p:txBody>
       </p:sp>
     </p:spTree>
-    <p:extLst>
-      <p:ext uri="{BB962C8B-B14F-4D97-AF65-F5344CB8AC3E}">
-        <p14:creationId xmlns:p14="http://schemas.microsoft.com/office/powerpoint/2010/main" val="2345586356"/>
-      </p:ext>
-    </p:extLst>
   </p:cSld>
   <p:clrMapOvr>
     <a:masterClrMapping/>
   </p:clrMapOvr>
 </p:sld>
+</file>
+
+<file path=ppt/tags/tag1.xml><?xml version="1.0" encoding="utf-8"?>
+<p:tagLst xmlns:p="http://schemas.openxmlformats.org/presentationml/2006/main">
+  <p:tag name="KSO_WM_DIAGRAM_VIRTUALLY_FRAME" val="{&quot;height&quot;:277.3918897637795,&quot;left&quot;:6.97740157480315,&quot;top&quot;:7.089606299212598,&quot;width&quot;:946.0451968503937}"/>
+</p:tagLst>
+</file>
+
+<file path=ppt/tags/tag2.xml><?xml version="1.0" encoding="utf-8"?>
+<p:tagLst xmlns:p="http://schemas.openxmlformats.org/presentationml/2006/main">
+  <p:tag name="KSO_WM_DIAGRAM_VIRTUALLY_FRAME" val="{&quot;height&quot;:277.3918897637795,&quot;left&quot;:6.97740157480315,&quot;top&quot;:7.089606299212598,&quot;width&quot;:946.0451968503937}"/>
+</p:tagLst>
+</file>
+
+<file path=ppt/tags/tag3.xml><?xml version="1.0" encoding="utf-8"?>
+<p:tagLst xmlns:p="http://schemas.openxmlformats.org/presentationml/2006/main">
+  <p:tag name="KSO_WM_DIAGRAM_VIRTUALLY_FRAME" val="{&quot;height&quot;:277.3918897637795,&quot;left&quot;:6.97740157480315,&quot;top&quot;:7.089606299212598,&quot;width&quot;:946.0451968503937}"/>
+</p:tagLst>
+</file>
+
+<file path=ppt/tags/tag4.xml><?xml version="1.0" encoding="utf-8"?>
+<p:tagLst xmlns:p="http://schemas.openxmlformats.org/presentationml/2006/main">
+  <p:tag name="KSO_WM_DIAGRAM_VIRTUALLY_FRAME" val="{&quot;height&quot;:277.3918897637795,&quot;left&quot;:6.97740157480315,&quot;top&quot;:7.089606299212598,&quot;width&quot;:946.0451968503937}"/>
+</p:tagLst>
+</file>
+
+<file path=ppt/tags/tag5.xml><?xml version="1.0" encoding="utf-8"?>
+<p:tagLst xmlns:p="http://schemas.openxmlformats.org/presentationml/2006/main">
+  <p:tag name="KSO_WM_DIAGRAM_VIRTUALLY_FRAME" val="{&quot;height&quot;:277.3918897637795,&quot;left&quot;:6.97740157480315,&quot;top&quot;:7.089606299212598,&quot;width&quot;:946.0451968503937}"/>
+</p:tagLst>
+</file>
+
+<file path=ppt/tags/tag6.xml><?xml version="1.0" encoding="utf-8"?>
+<p:tagLst xmlns:p="http://schemas.openxmlformats.org/presentationml/2006/main">
+  <p:tag name="KSO_WM_DIAGRAM_VIRTUALLY_FRAME" val="{&quot;height&quot;:277.3918897637795,&quot;left&quot;:6.97740157480315,&quot;top&quot;:7.089606299212598,&quot;width&quot;:946.0451968503937}"/>
+</p:tagLst>
 </file>
 
 <file path=ppt/theme/theme1.xml><?xml version="1.0" encoding="utf-8"?>
@@ -4068,12 +3630,12 @@
     </a:clrScheme>
     <a:fontScheme name="JuxtaposeVTI">
       <a:majorFont>
-        <a:latin typeface="Franklin Gothic Demi Cond" panose="020B0706030402020204"/>
+        <a:latin typeface="Franklin Gothic Demi Cond"/>
         <a:ea typeface=""/>
         <a:cs typeface=""/>
       </a:majorFont>
       <a:minorFont>
-        <a:latin typeface="Franklin Gothic Medium" panose="020B0603020102020204"/>
+        <a:latin typeface="Franklin Gothic Medium"/>
         <a:ea typeface=""/>
         <a:cs typeface=""/>
       </a:minorFont>
@@ -4216,11 +3778,9 @@
       </a:bgFillStyleLst>
     </a:fmtScheme>
   </a:themeElements>
-  <a:objectDefaults/>
-  <a:extraClrSchemeLst/>
   <a:extLst>
     <a:ext uri="{05A4C25C-085E-4340-85A3-A5531E510DB2}">
-      <thm15:themeFamily xmlns:thm15="http://schemas.microsoft.com/office/thememl/2012/main" name="JuxtaposeVTI" id="{B0236716-CA63-41C1-B6AD-997AE15F064B}" vid="{0E0AE8FC-D493-434E-BDCC-ED5FFB2DAEE7}"/>
+      <thm15:themeFamily xmlns:thm15="http://schemas.microsoft.com/office/thememl/2012/main" name="Office Theme" id="{62F939B6-93AF-4DB8-9C6B-D6C7DFDC589F}" vid="{4A3C46E8-61CC-4603-A589-7422A47A8E4A}"/>
     </a:ext>
   </a:extLst>
 </a:theme>

--- a/Group members pics.pptx
+++ b/Group members pics.pptx
@@ -5,7 +5,7 @@
     <p:sldMasterId id="2147483648" r:id="rId1"/>
   </p:sldMasterIdLst>
   <p:sldIdLst>
-    <p:sldId id="256" r:id="rId3"/>
+    <p:sldId id="256" r:id="rId2"/>
   </p:sldIdLst>
   <p:sldSz cx="12192000" cy="6858000"/>
   <p:notesSz cx="6858000" cy="9144000"/>
@@ -104,11 +104,16 @@
       </a:defRPr>
     </a:lvl9pPr>
   </p:defaultTextStyle>
+  <p:extLst>
+    <p:ext uri="{EFAFB233-063F-42B5-8137-9DF3F51BA10A}">
+      <p15:sldGuideLst xmlns:p15="http://schemas.microsoft.com/office/powerpoint/2012/main"/>
+    </p:ext>
+  </p:extLst>
 </p:presentation>
 </file>
 
 <file path=ppt/slideLayouts/slideLayout1.xml><?xml version="1.0" encoding="utf-8"?>
-<p:sldLayout xmlns:a="http://schemas.openxmlformats.org/drawingml/2006/main" xmlns:r="http://schemas.openxmlformats.org/officeDocument/2006/relationships" xmlns:p="http://schemas.openxmlformats.org/presentationml/2006/main" type="title" preserve="1" showMasterSp="0">
+<p:sldLayout xmlns:a="http://schemas.openxmlformats.org/drawingml/2006/main" xmlns:r="http://schemas.openxmlformats.org/officeDocument/2006/relationships" xmlns:p="http://schemas.openxmlformats.org/presentationml/2006/main" showMasterSp="0" type="title" preserve="1">
   <p:cSld name="Title Slide">
     <p:spTree>
       <p:nvGrpSpPr>
@@ -203,7 +208,6 @@
               <a:rPr lang="en-US" dirty="0"/>
               <a:t>Click to edit Master title style</a:t>
             </a:r>
-            <a:endParaRPr lang="en-US" dirty="0"/>
           </a:p>
         </p:txBody>
       </p:sp>
@@ -274,7 +278,6 @@
               <a:rPr lang="en-US" dirty="0"/>
               <a:t>Click to edit Master subtitle style</a:t>
             </a:r>
-            <a:endParaRPr lang="en-US" dirty="0"/>
           </a:p>
         </p:txBody>
       </p:sp>
@@ -304,6 +307,7 @@
             <a:pPr algn="r"/>
             <a:fld id="{A37D6D71-8B28-4ED6-B932-04B197003D23}" type="datetimeFigureOut">
               <a:rPr lang="en-US" dirty="0"/>
+              <a:t>12/10/2025</a:t>
             </a:fld>
             <a:endParaRPr lang="en-US" dirty="0"/>
           </a:p>
@@ -366,6 +370,7 @@
             <a:pPr algn="l"/>
             <a:fld id="{F97E8200-1950-409B-82E7-99938E7AE355}" type="slidenum">
               <a:rPr lang="en-US" dirty="0"/>
+              <a:t>‹#›</a:t>
             </a:fld>
             <a:endParaRPr lang="en-US" dirty="0"/>
           </a:p>
@@ -415,7 +420,6 @@
               <a:rPr lang="en-US" dirty="0"/>
               <a:t>Click to edit Master title style</a:t>
             </a:r>
-            <a:endParaRPr lang="en-US" dirty="0"/>
           </a:p>
         </p:txBody>
       </p:sp>
@@ -439,7 +443,6 @@
               <a:rPr lang="en-US" dirty="0"/>
               <a:t>Click to edit Master text styles</a:t>
             </a:r>
-            <a:endParaRPr lang="en-US" dirty="0"/>
           </a:p>
           <a:p>
             <a:pPr lvl="1"/>
@@ -447,7 +450,6 @@
               <a:rPr lang="en-US" dirty="0"/>
               <a:t>Second level</a:t>
             </a:r>
-            <a:endParaRPr lang="en-US" dirty="0"/>
           </a:p>
           <a:p>
             <a:pPr lvl="2"/>
@@ -455,7 +457,6 @@
               <a:rPr lang="en-US" dirty="0"/>
               <a:t>Third level</a:t>
             </a:r>
-            <a:endParaRPr lang="en-US" dirty="0"/>
           </a:p>
           <a:p>
             <a:pPr lvl="3"/>
@@ -463,7 +464,6 @@
               <a:rPr lang="en-US" dirty="0"/>
               <a:t>Fourth level</a:t>
             </a:r>
-            <a:endParaRPr lang="en-US" dirty="0"/>
           </a:p>
           <a:p>
             <a:pPr lvl="4"/>
@@ -471,7 +471,6 @@
               <a:rPr lang="en-US" dirty="0"/>
               <a:t>Fifth level</a:t>
             </a:r>
-            <a:endParaRPr lang="en-US" dirty="0"/>
           </a:p>
         </p:txBody>
       </p:sp>
@@ -493,6 +492,7 @@
             <a:pPr algn="r"/>
             <a:fld id="{A37D6D71-8B28-4ED6-B932-04B197003D23}" type="datetimeFigureOut">
               <a:rPr lang="en-US" dirty="0"/>
+              <a:t>12/10/2025</a:t>
             </a:fld>
             <a:endParaRPr lang="en-US" dirty="0"/>
           </a:p>
@@ -539,6 +539,7 @@
             <a:pPr algn="l"/>
             <a:fld id="{F97E8200-1950-409B-82E7-99938E7AE355}" type="slidenum">
               <a:rPr lang="en-US" dirty="0"/>
+              <a:t>‹#›</a:t>
             </a:fld>
             <a:endParaRPr lang="en-US" dirty="0"/>
           </a:p>
@@ -553,7 +554,7 @@
 </file>
 
 <file path=ppt/slideLayouts/slideLayout11.xml><?xml version="1.0" encoding="utf-8"?>
-<p:sldLayout xmlns:a="http://schemas.openxmlformats.org/drawingml/2006/main" xmlns:r="http://schemas.openxmlformats.org/officeDocument/2006/relationships" xmlns:p="http://schemas.openxmlformats.org/presentationml/2006/main" type="vertTitleAndTx" preserve="1" showMasterSp="0">
+<p:sldLayout xmlns:a="http://schemas.openxmlformats.org/drawingml/2006/main" xmlns:r="http://schemas.openxmlformats.org/officeDocument/2006/relationships" xmlns:p="http://schemas.openxmlformats.org/presentationml/2006/main" showMasterSp="0" type="vertTitleAndTx" preserve="1">
   <p:cSld name="Vertical Title and Text">
     <p:spTree>
       <p:nvGrpSpPr>
@@ -631,7 +632,6 @@
               <a:rPr lang="en-US" dirty="0"/>
               <a:t>Click to edit Master title style</a:t>
             </a:r>
-            <a:endParaRPr lang="en-US" dirty="0"/>
           </a:p>
         </p:txBody>
       </p:sp>
@@ -660,7 +660,6 @@
               <a:rPr lang="en-US" dirty="0"/>
               <a:t>Click to edit Master text styles</a:t>
             </a:r>
-            <a:endParaRPr lang="en-US" dirty="0"/>
           </a:p>
           <a:p>
             <a:pPr lvl="1"/>
@@ -668,7 +667,6 @@
               <a:rPr lang="en-US" dirty="0"/>
               <a:t>Second level</a:t>
             </a:r>
-            <a:endParaRPr lang="en-US" dirty="0"/>
           </a:p>
           <a:p>
             <a:pPr lvl="2"/>
@@ -676,7 +674,6 @@
               <a:rPr lang="en-US" dirty="0"/>
               <a:t>Third level</a:t>
             </a:r>
-            <a:endParaRPr lang="en-US" dirty="0"/>
           </a:p>
           <a:p>
             <a:pPr lvl="3"/>
@@ -684,7 +681,6 @@
               <a:rPr lang="en-US" dirty="0"/>
               <a:t>Fourth level</a:t>
             </a:r>
-            <a:endParaRPr lang="en-US" dirty="0"/>
           </a:p>
           <a:p>
             <a:pPr lvl="4"/>
@@ -692,7 +688,6 @@
               <a:rPr lang="en-US" dirty="0"/>
               <a:t>Fifth level</a:t>
             </a:r>
-            <a:endParaRPr lang="en-US" dirty="0"/>
           </a:p>
         </p:txBody>
       </p:sp>
@@ -727,6 +722,7 @@
             <a:pPr algn="r"/>
             <a:fld id="{A37D6D71-8B28-4ED6-B932-04B197003D23}" type="datetimeFigureOut">
               <a:rPr lang="en-US" dirty="0"/>
+              <a:t>12/10/2025</a:t>
             </a:fld>
             <a:endParaRPr lang="en-US" dirty="0"/>
           </a:p>
@@ -781,6 +777,7 @@
             <a:pPr algn="l"/>
             <a:fld id="{F97E8200-1950-409B-82E7-99938E7AE355}" type="slidenum">
               <a:rPr lang="en-US" dirty="0"/>
+              <a:t>‹#›</a:t>
             </a:fld>
             <a:endParaRPr lang="en-US" dirty="0"/>
           </a:p>
@@ -830,7 +827,6 @@
               <a:rPr lang="en-US" dirty="0"/>
               <a:t>Click to edit Master title style</a:t>
             </a:r>
-            <a:endParaRPr lang="en-US" dirty="0"/>
           </a:p>
         </p:txBody>
       </p:sp>
@@ -854,7 +850,6 @@
               <a:rPr lang="en-US" dirty="0"/>
               <a:t>Click to edit Master text styles</a:t>
             </a:r>
-            <a:endParaRPr lang="en-US" dirty="0"/>
           </a:p>
           <a:p>
             <a:pPr lvl="1"/>
@@ -862,7 +857,6 @@
               <a:rPr lang="en-US" dirty="0"/>
               <a:t>Second level</a:t>
             </a:r>
-            <a:endParaRPr lang="en-US" dirty="0"/>
           </a:p>
           <a:p>
             <a:pPr lvl="2"/>
@@ -870,7 +864,6 @@
               <a:rPr lang="en-US" dirty="0"/>
               <a:t>Third level</a:t>
             </a:r>
-            <a:endParaRPr lang="en-US" dirty="0"/>
           </a:p>
           <a:p>
             <a:pPr lvl="3"/>
@@ -878,7 +871,6 @@
               <a:rPr lang="en-US" dirty="0"/>
               <a:t>Fourth level</a:t>
             </a:r>
-            <a:endParaRPr lang="en-US" dirty="0"/>
           </a:p>
           <a:p>
             <a:pPr lvl="4"/>
@@ -886,7 +878,6 @@
               <a:rPr lang="en-US" dirty="0"/>
               <a:t>Fifth level</a:t>
             </a:r>
-            <a:endParaRPr lang="en-US" dirty="0"/>
           </a:p>
         </p:txBody>
       </p:sp>
@@ -908,6 +899,7 @@
             <a:pPr algn="r"/>
             <a:fld id="{A37D6D71-8B28-4ED6-B932-04B197003D23}" type="datetimeFigureOut">
               <a:rPr lang="en-US" dirty="0"/>
+              <a:t>12/10/2025</a:t>
             </a:fld>
             <a:endParaRPr lang="en-US" dirty="0"/>
           </a:p>
@@ -954,6 +946,7 @@
             <a:pPr algn="l"/>
             <a:fld id="{F97E8200-1950-409B-82E7-99938E7AE355}" type="slidenum">
               <a:rPr lang="en-US" dirty="0"/>
+              <a:t>‹#›</a:t>
             </a:fld>
             <a:endParaRPr lang="en-US" dirty="0"/>
           </a:p>
@@ -968,7 +961,7 @@
 </file>
 
 <file path=ppt/slideLayouts/slideLayout3.xml><?xml version="1.0" encoding="utf-8"?>
-<p:sldLayout xmlns:a="http://schemas.openxmlformats.org/drawingml/2006/main" xmlns:r="http://schemas.openxmlformats.org/officeDocument/2006/relationships" xmlns:p="http://schemas.openxmlformats.org/presentationml/2006/main" type="secHead" preserve="1" showMasterSp="0">
+<p:sldLayout xmlns:a="http://schemas.openxmlformats.org/drawingml/2006/main" xmlns:r="http://schemas.openxmlformats.org/officeDocument/2006/relationships" xmlns:p="http://schemas.openxmlformats.org/presentationml/2006/main" showMasterSp="0" type="secHead" preserve="1">
   <p:cSld name="Section Header">
     <p:spTree>
       <p:nvGrpSpPr>
@@ -1052,7 +1045,6 @@
               <a:rPr lang="en-US" dirty="0"/>
               <a:t>Click to edit Master title style</a:t>
             </a:r>
-            <a:endParaRPr lang="en-US" dirty="0"/>
           </a:p>
         </p:txBody>
       </p:sp>
@@ -1172,7 +1164,6 @@
               <a:rPr lang="en-US" dirty="0"/>
               <a:t>Click to edit Master text styles</a:t>
             </a:r>
-            <a:endParaRPr lang="en-US" dirty="0"/>
           </a:p>
         </p:txBody>
       </p:sp>
@@ -1194,6 +1185,7 @@
             <a:pPr algn="r"/>
             <a:fld id="{A37D6D71-8B28-4ED6-B932-04B197003D23}" type="datetimeFigureOut">
               <a:rPr lang="en-US" dirty="0"/>
+              <a:t>12/10/2025</a:t>
             </a:fld>
             <a:endParaRPr lang="en-US" dirty="0"/>
           </a:p>
@@ -1240,6 +1232,7 @@
             <a:pPr algn="l"/>
             <a:fld id="{F97E8200-1950-409B-82E7-99938E7AE355}" type="slidenum">
               <a:rPr lang="en-US" dirty="0"/>
+              <a:t>‹#›</a:t>
             </a:fld>
             <a:endParaRPr lang="en-US" dirty="0"/>
           </a:p>
@@ -1289,7 +1282,6 @@
               <a:rPr lang="en-US" dirty="0"/>
               <a:t>Click to edit Master title style</a:t>
             </a:r>
-            <a:endParaRPr lang="en-US" dirty="0"/>
           </a:p>
         </p:txBody>
       </p:sp>
@@ -1318,7 +1310,6 @@
               <a:rPr lang="en-US" dirty="0"/>
               <a:t>Click to edit Master text styles</a:t>
             </a:r>
-            <a:endParaRPr lang="en-US" dirty="0"/>
           </a:p>
           <a:p>
             <a:pPr lvl="1"/>
@@ -1326,7 +1317,6 @@
               <a:rPr lang="en-US" dirty="0"/>
               <a:t>Second level</a:t>
             </a:r>
-            <a:endParaRPr lang="en-US" dirty="0"/>
           </a:p>
           <a:p>
             <a:pPr lvl="2"/>
@@ -1334,7 +1324,6 @@
               <a:rPr lang="en-US" dirty="0"/>
               <a:t>Third level</a:t>
             </a:r>
-            <a:endParaRPr lang="en-US" dirty="0"/>
           </a:p>
           <a:p>
             <a:pPr lvl="3"/>
@@ -1342,7 +1331,6 @@
               <a:rPr lang="en-US" dirty="0"/>
               <a:t>Fourth level</a:t>
             </a:r>
-            <a:endParaRPr lang="en-US" dirty="0"/>
           </a:p>
           <a:p>
             <a:pPr lvl="4"/>
@@ -1350,7 +1338,6 @@
               <a:rPr lang="en-US" dirty="0"/>
               <a:t>Fifth level</a:t>
             </a:r>
-            <a:endParaRPr lang="en-US" dirty="0"/>
           </a:p>
         </p:txBody>
       </p:sp>
@@ -1379,7 +1366,6 @@
               <a:rPr lang="en-US" dirty="0"/>
               <a:t>Click to edit Master text styles</a:t>
             </a:r>
-            <a:endParaRPr lang="en-US" dirty="0"/>
           </a:p>
           <a:p>
             <a:pPr lvl="1"/>
@@ -1387,7 +1373,6 @@
               <a:rPr lang="en-US" dirty="0"/>
               <a:t>Second level</a:t>
             </a:r>
-            <a:endParaRPr lang="en-US" dirty="0"/>
           </a:p>
           <a:p>
             <a:pPr lvl="2"/>
@@ -1395,7 +1380,6 @@
               <a:rPr lang="en-US" dirty="0"/>
               <a:t>Third level</a:t>
             </a:r>
-            <a:endParaRPr lang="en-US" dirty="0"/>
           </a:p>
           <a:p>
             <a:pPr lvl="3"/>
@@ -1403,7 +1387,6 @@
               <a:rPr lang="en-US" dirty="0"/>
               <a:t>Fourth level</a:t>
             </a:r>
-            <a:endParaRPr lang="en-US" dirty="0"/>
           </a:p>
           <a:p>
             <a:pPr lvl="4"/>
@@ -1411,7 +1394,6 @@
               <a:rPr lang="en-US" dirty="0"/>
               <a:t>Fifth level</a:t>
             </a:r>
-            <a:endParaRPr lang="en-US" dirty="0"/>
           </a:p>
         </p:txBody>
       </p:sp>
@@ -1433,6 +1415,7 @@
             <a:pPr algn="r"/>
             <a:fld id="{A37D6D71-8B28-4ED6-B932-04B197003D23}" type="datetimeFigureOut">
               <a:rPr lang="en-US" dirty="0"/>
+              <a:t>12/10/2025</a:t>
             </a:fld>
             <a:endParaRPr lang="en-US" dirty="0"/>
           </a:p>
@@ -1479,6 +1462,7 @@
             <a:pPr algn="l"/>
             <a:fld id="{F97E8200-1950-409B-82E7-99938E7AE355}" type="slidenum">
               <a:rPr lang="en-US" dirty="0"/>
+              <a:t>‹#›</a:t>
             </a:fld>
             <a:endParaRPr lang="en-US" dirty="0"/>
           </a:p>
@@ -1571,7 +1555,6 @@
               <a:rPr lang="en-US" dirty="0"/>
               <a:t>Click to edit Master text styles</a:t>
             </a:r>
-            <a:endParaRPr lang="en-US" dirty="0"/>
           </a:p>
         </p:txBody>
       </p:sp>
@@ -1600,7 +1583,6 @@
               <a:rPr lang="en-US" dirty="0"/>
               <a:t>Click to edit Master text styles</a:t>
             </a:r>
-            <a:endParaRPr lang="en-US" dirty="0"/>
           </a:p>
           <a:p>
             <a:pPr lvl="1"/>
@@ -1608,7 +1590,6 @@
               <a:rPr lang="en-US" dirty="0"/>
               <a:t>Second level</a:t>
             </a:r>
-            <a:endParaRPr lang="en-US" dirty="0"/>
           </a:p>
           <a:p>
             <a:pPr lvl="2"/>
@@ -1616,7 +1597,6 @@
               <a:rPr lang="en-US" dirty="0"/>
               <a:t>Third level</a:t>
             </a:r>
-            <a:endParaRPr lang="en-US" dirty="0"/>
           </a:p>
           <a:p>
             <a:pPr lvl="3"/>
@@ -1624,7 +1604,6 @@
               <a:rPr lang="en-US" dirty="0"/>
               <a:t>Fourth level</a:t>
             </a:r>
-            <a:endParaRPr lang="en-US" dirty="0"/>
           </a:p>
           <a:p>
             <a:pPr lvl="4"/>
@@ -1632,7 +1611,6 @@
               <a:rPr lang="en-US" dirty="0"/>
               <a:t>Fifth level</a:t>
             </a:r>
-            <a:endParaRPr lang="en-US" dirty="0"/>
           </a:p>
         </p:txBody>
       </p:sp>
@@ -1698,7 +1676,6 @@
               <a:rPr lang="en-US" dirty="0"/>
               <a:t>Click to edit Master text styles</a:t>
             </a:r>
-            <a:endParaRPr lang="en-US" dirty="0"/>
           </a:p>
         </p:txBody>
       </p:sp>
@@ -1727,7 +1704,6 @@
               <a:rPr lang="en-US" dirty="0"/>
               <a:t>Click to edit Master text styles</a:t>
             </a:r>
-            <a:endParaRPr lang="en-US" dirty="0"/>
           </a:p>
           <a:p>
             <a:pPr lvl="1"/>
@@ -1735,7 +1711,6 @@
               <a:rPr lang="en-US" dirty="0"/>
               <a:t>Second level</a:t>
             </a:r>
-            <a:endParaRPr lang="en-US" dirty="0"/>
           </a:p>
           <a:p>
             <a:pPr lvl="2"/>
@@ -1743,7 +1718,6 @@
               <a:rPr lang="en-US" dirty="0"/>
               <a:t>Third level</a:t>
             </a:r>
-            <a:endParaRPr lang="en-US" dirty="0"/>
           </a:p>
           <a:p>
             <a:pPr lvl="3"/>
@@ -1751,7 +1725,6 @@
               <a:rPr lang="en-US" dirty="0"/>
               <a:t>Fourth level</a:t>
             </a:r>
-            <a:endParaRPr lang="en-US" dirty="0"/>
           </a:p>
           <a:p>
             <a:pPr lvl="4"/>
@@ -1759,7 +1732,6 @@
               <a:rPr lang="en-US" dirty="0"/>
               <a:t>Fifth level</a:t>
             </a:r>
-            <a:endParaRPr lang="en-US" dirty="0"/>
           </a:p>
         </p:txBody>
       </p:sp>
@@ -1781,6 +1753,7 @@
             <a:pPr algn="r"/>
             <a:fld id="{A37D6D71-8B28-4ED6-B932-04B197003D23}" type="datetimeFigureOut">
               <a:rPr lang="en-US" dirty="0"/>
+              <a:t>12/10/2025</a:t>
             </a:fld>
             <a:endParaRPr lang="en-US" dirty="0"/>
           </a:p>
@@ -1827,6 +1800,7 @@
             <a:pPr algn="l"/>
             <a:fld id="{F97E8200-1950-409B-82E7-99938E7AE355}" type="slidenum">
               <a:rPr lang="en-US" dirty="0"/>
+              <a:t>‹#›</a:t>
             </a:fld>
             <a:endParaRPr lang="en-US" dirty="0"/>
           </a:p>
@@ -1851,7 +1825,6 @@
               <a:rPr lang="en-US" dirty="0"/>
               <a:t>Click to edit Master title style</a:t>
             </a:r>
-            <a:endParaRPr lang="en-US" dirty="0"/>
           </a:p>
         </p:txBody>
       </p:sp>
@@ -1899,7 +1872,6 @@
               <a:rPr lang="en-US" dirty="0"/>
               <a:t>Click to edit Master title style</a:t>
             </a:r>
-            <a:endParaRPr lang="en-US" dirty="0"/>
           </a:p>
         </p:txBody>
       </p:sp>
@@ -1921,6 +1893,7 @@
             <a:pPr algn="r"/>
             <a:fld id="{A37D6D71-8B28-4ED6-B932-04B197003D23}" type="datetimeFigureOut">
               <a:rPr lang="en-US" dirty="0"/>
+              <a:t>12/10/2025</a:t>
             </a:fld>
             <a:endParaRPr lang="en-US" dirty="0"/>
           </a:p>
@@ -1967,6 +1940,7 @@
             <a:pPr algn="l"/>
             <a:fld id="{F97E8200-1950-409B-82E7-99938E7AE355}" type="slidenum">
               <a:rPr lang="en-US" dirty="0"/>
+              <a:t>‹#›</a:t>
             </a:fld>
             <a:endParaRPr lang="en-US" dirty="0"/>
           </a:p>
@@ -1981,7 +1955,7 @@
 </file>
 
 <file path=ppt/slideLayouts/slideLayout7.xml><?xml version="1.0" encoding="utf-8"?>
-<p:sldLayout xmlns:a="http://schemas.openxmlformats.org/drawingml/2006/main" xmlns:r="http://schemas.openxmlformats.org/officeDocument/2006/relationships" xmlns:p="http://schemas.openxmlformats.org/presentationml/2006/main" type="blank" preserve="1" showMasterSp="0">
+<p:sldLayout xmlns:a="http://schemas.openxmlformats.org/drawingml/2006/main" xmlns:r="http://schemas.openxmlformats.org/officeDocument/2006/relationships" xmlns:p="http://schemas.openxmlformats.org/presentationml/2006/main" showMasterSp="0" type="blank" preserve="1">
   <p:cSld name="Blank">
     <p:spTree>
       <p:nvGrpSpPr>
@@ -2015,6 +1989,7 @@
             <a:pPr algn="r"/>
             <a:fld id="{A37D6D71-8B28-4ED6-B932-04B197003D23}" type="datetimeFigureOut">
               <a:rPr lang="en-US" dirty="0"/>
+              <a:t>12/10/2025</a:t>
             </a:fld>
             <a:endParaRPr lang="en-US" dirty="0"/>
           </a:p>
@@ -2061,6 +2036,7 @@
             <a:pPr algn="l"/>
             <a:fld id="{F97E8200-1950-409B-82E7-99938E7AE355}" type="slidenum">
               <a:rPr lang="en-US" dirty="0"/>
+              <a:t>‹#›</a:t>
             </a:fld>
             <a:endParaRPr lang="en-US" dirty="0"/>
           </a:p>
@@ -2144,7 +2120,6 @@
               <a:rPr lang="en-US" dirty="0"/>
               <a:t>Click to edit Master text styles</a:t>
             </a:r>
-            <a:endParaRPr lang="en-US" dirty="0"/>
           </a:p>
           <a:p>
             <a:pPr lvl="1"/>
@@ -2152,7 +2127,6 @@
               <a:rPr lang="en-US" dirty="0"/>
               <a:t>Second level</a:t>
             </a:r>
-            <a:endParaRPr lang="en-US" dirty="0"/>
           </a:p>
           <a:p>
             <a:pPr lvl="2"/>
@@ -2160,7 +2134,6 @@
               <a:rPr lang="en-US" dirty="0"/>
               <a:t>Third level</a:t>
             </a:r>
-            <a:endParaRPr lang="en-US" dirty="0"/>
           </a:p>
           <a:p>
             <a:pPr lvl="3"/>
@@ -2168,7 +2141,6 @@
               <a:rPr lang="en-US" dirty="0"/>
               <a:t>Fourth level</a:t>
             </a:r>
-            <a:endParaRPr lang="en-US" dirty="0"/>
           </a:p>
           <a:p>
             <a:pPr lvl="4"/>
@@ -2176,7 +2148,6 @@
               <a:rPr lang="en-US" dirty="0"/>
               <a:t>Fifth level</a:t>
             </a:r>
-            <a:endParaRPr lang="en-US" dirty="0"/>
           </a:p>
         </p:txBody>
       </p:sp>
@@ -2244,7 +2215,6 @@
               <a:rPr lang="en-US" dirty="0"/>
               <a:t>Click to edit Master text styles</a:t>
             </a:r>
-            <a:endParaRPr lang="en-US" dirty="0"/>
           </a:p>
         </p:txBody>
       </p:sp>
@@ -2266,6 +2236,7 @@
             <a:pPr algn="r"/>
             <a:fld id="{A37D6D71-8B28-4ED6-B932-04B197003D23}" type="datetimeFigureOut">
               <a:rPr lang="en-US" dirty="0"/>
+              <a:t>12/10/2025</a:t>
             </a:fld>
             <a:endParaRPr lang="en-US" dirty="0"/>
           </a:p>
@@ -2312,6 +2283,7 @@
             <a:pPr algn="l"/>
             <a:fld id="{F97E8200-1950-409B-82E7-99938E7AE355}" type="slidenum">
               <a:rPr lang="en-US" dirty="0"/>
+              <a:t>‹#›</a:t>
             </a:fld>
             <a:endParaRPr lang="en-US" dirty="0"/>
           </a:p>
@@ -2336,7 +2308,6 @@
               <a:rPr lang="en-US" dirty="0"/>
               <a:t>Click to edit Master title style</a:t>
             </a:r>
-            <a:endParaRPr lang="en-US" dirty="0"/>
           </a:p>
         </p:txBody>
       </p:sp>
@@ -2498,7 +2469,6 @@
               <a:rPr lang="en-US" dirty="0"/>
               <a:t>Click to edit Master text styles</a:t>
             </a:r>
-            <a:endParaRPr lang="en-US" dirty="0"/>
           </a:p>
         </p:txBody>
       </p:sp>
@@ -2520,6 +2490,7 @@
             <a:pPr algn="r"/>
             <a:fld id="{A37D6D71-8B28-4ED6-B932-04B197003D23}" type="datetimeFigureOut">
               <a:rPr lang="en-US" dirty="0"/>
+              <a:t>12/10/2025</a:t>
             </a:fld>
             <a:endParaRPr lang="en-US" dirty="0"/>
           </a:p>
@@ -2585,6 +2556,7 @@
             <a:pPr algn="l"/>
             <a:fld id="{F97E8200-1950-409B-82E7-99938E7AE355}" type="slidenum">
               <a:rPr lang="en-US" dirty="0"/>
+              <a:t>‹#›</a:t>
             </a:fld>
             <a:endParaRPr lang="en-US" dirty="0"/>
           </a:p>
@@ -2609,7 +2581,6 @@
               <a:rPr lang="en-US" dirty="0"/>
               <a:t>Click to edit Master title style</a:t>
             </a:r>
-            <a:endParaRPr lang="en-US" dirty="0"/>
           </a:p>
         </p:txBody>
       </p:sp>
@@ -2717,7 +2688,6 @@
               <a:rPr lang="en-US" dirty="0"/>
               <a:t>Click to edit Master title style</a:t>
             </a:r>
-            <a:endParaRPr lang="en-US" dirty="0"/>
           </a:p>
         </p:txBody>
       </p:sp>
@@ -2751,7 +2721,6 @@
               <a:rPr lang="en-US" dirty="0"/>
               <a:t>Click to edit Master text styles</a:t>
             </a:r>
-            <a:endParaRPr lang="en-US" dirty="0"/>
           </a:p>
           <a:p>
             <a:pPr lvl="1"/>
@@ -2759,7 +2728,6 @@
               <a:rPr lang="en-US" dirty="0"/>
               <a:t>Second level</a:t>
             </a:r>
-            <a:endParaRPr lang="en-US" dirty="0"/>
           </a:p>
           <a:p>
             <a:pPr lvl="2"/>
@@ -2767,7 +2735,6 @@
               <a:rPr lang="en-US" dirty="0"/>
               <a:t>Third level</a:t>
             </a:r>
-            <a:endParaRPr lang="en-US" dirty="0"/>
           </a:p>
           <a:p>
             <a:pPr lvl="3"/>
@@ -2775,7 +2742,6 @@
               <a:rPr lang="en-US" dirty="0"/>
               <a:t>Fourth level</a:t>
             </a:r>
-            <a:endParaRPr lang="en-US" dirty="0"/>
           </a:p>
           <a:p>
             <a:pPr lvl="4"/>
@@ -2783,7 +2749,6 @@
               <a:rPr lang="en-US" dirty="0"/>
               <a:t>Fifth level</a:t>
             </a:r>
-            <a:endParaRPr lang="en-US" dirty="0"/>
           </a:p>
         </p:txBody>
       </p:sp>
@@ -2821,6 +2786,7 @@
             <a:pPr algn="r"/>
             <a:fld id="{A37D6D71-8B28-4ED6-B932-04B197003D23}" type="datetimeFigureOut">
               <a:rPr lang="en-US" dirty="0"/>
+              <a:t>12/10/2025</a:t>
             </a:fld>
             <a:endParaRPr lang="en-US" spc="50" dirty="0"/>
           </a:p>
@@ -2895,6 +2861,7 @@
             <a:pPr algn="l"/>
             <a:fld id="{F97E8200-1950-409B-82E7-99938E7AE355}" type="slidenum">
               <a:rPr lang="en-US" dirty="0"/>
+              <a:t>‹#›</a:t>
             </a:fld>
             <a:endParaRPr lang="en-US" dirty="0"/>
           </a:p>
@@ -3246,7 +3213,7 @@
           </p:nvPr>
         </p:nvPicPr>
         <p:blipFill>
-          <a:blip r:embed="rId2">
+          <a:blip r:embed="rId8" cstate="print">
             <a:extLst>
               <a:ext uri="{28A0092B-C50C-407E-A947-70E740481C1C}">
                 <a14:useLocalDpi xmlns:a14="http://schemas.microsoft.com/office/drawing/2010/main" val="0"/>
@@ -3273,7 +3240,7 @@
           <p:cNvSpPr txBox="1"/>
           <p:nvPr>
             <p:custDataLst>
-              <p:tags r:id="rId3"/>
+              <p:tags r:id="rId2"/>
             </p:custDataLst>
           </p:nvPr>
         </p:nvSpPr>
@@ -3297,7 +3264,6 @@
               <a:rPr lang="en-CA" dirty="0"/>
               <a:t>Ghinwa Bahij</a:t>
             </a:r>
-            <a:endParaRPr lang="en-CA" dirty="0"/>
           </a:p>
         </p:txBody>
       </p:sp>
@@ -3309,12 +3275,12 @@
           </p:cNvPicPr>
           <p:nvPr>
             <p:custDataLst>
-              <p:tags r:id="rId4"/>
+              <p:tags r:id="rId3"/>
             </p:custDataLst>
           </p:nvPr>
         </p:nvPicPr>
         <p:blipFill>
-          <a:blip r:embed="rId5"/>
+          <a:blip r:embed="rId9"/>
           <a:srcRect t="17463" r="-518" b="-79"/>
           <a:stretch>
             <a:fillRect/>
@@ -3322,7 +3288,7 @@
         </p:blipFill>
         <p:spPr>
           <a:xfrm>
-            <a:off x="2752422" y="90316"/>
+            <a:off x="2553035" y="78813"/>
             <a:ext cx="2090252" cy="3050136"/>
           </a:xfrm>
           <a:prstGeom prst="rect">
@@ -3336,13 +3302,13 @@
           <p:cNvSpPr txBox="1"/>
           <p:nvPr>
             <p:custDataLst>
-              <p:tags r:id="rId6"/>
+              <p:tags r:id="rId4"/>
             </p:custDataLst>
           </p:nvPr>
         </p:nvSpPr>
         <p:spPr>
           <a:xfrm>
-            <a:off x="2799340" y="3242391"/>
+            <a:off x="2708551" y="3242391"/>
             <a:ext cx="1987819" cy="369332"/>
           </a:xfrm>
           <a:prstGeom prst="rect">
@@ -3360,7 +3326,6 @@
               <a:rPr lang="en-US" dirty="0"/>
               <a:t>Abishek Bhandari</a:t>
             </a:r>
-            <a:endParaRPr lang="en-US" dirty="0"/>
           </a:p>
         </p:txBody>
       </p:sp>
@@ -3373,7 +3338,7 @@
           <p:nvPr/>
         </p:nvPicPr>
         <p:blipFill>
-          <a:blip r:embed="rId7"/>
+          <a:blip r:embed="rId10"/>
           <a:stretch>
             <a:fillRect/>
           </a:stretch>
@@ -3416,7 +3381,6 @@
               <a:rPr lang="en-US" dirty="0"/>
               <a:t>Line mapping Project – Comp 3110</a:t>
             </a:r>
-            <a:endParaRPr lang="en-US" dirty="0"/>
           </a:p>
         </p:txBody>
       </p:sp>
@@ -3428,12 +3392,12 @@
           </p:cNvPicPr>
           <p:nvPr>
             <p:custDataLst>
-              <p:tags r:id="rId8"/>
+              <p:tags r:id="rId5"/>
             </p:custDataLst>
           </p:nvPr>
         </p:nvPicPr>
         <p:blipFill>
-          <a:blip r:embed="rId9">
+          <a:blip r:embed="rId11" cstate="print">
             <a:extLst>
               <a:ext uri="{28A0092B-C50C-407E-A947-70E740481C1C}">
                 <a14:useLocalDpi xmlns:a14="http://schemas.microsoft.com/office/drawing/2010/main" val="0"/>
@@ -3447,7 +3411,7 @@
         <p:spPr>
           <a:xfrm>
             <a:off x="9766792" y="90316"/>
-            <a:ext cx="2336595" cy="3050136"/>
+            <a:ext cx="2336595" cy="3027130"/>
           </a:xfrm>
           <a:prstGeom prst="rect">
             <a:avLst/>
@@ -3460,7 +3424,7 @@
           <p:cNvSpPr txBox="1"/>
           <p:nvPr>
             <p:custDataLst>
-              <p:tags r:id="rId10"/>
+              <p:tags r:id="rId6"/>
             </p:custDataLst>
           </p:nvPr>
         </p:nvSpPr>
@@ -3484,7 +3448,6 @@
               <a:rPr lang="en-US" dirty="0"/>
               <a:t>Evan Jolette</a:t>
             </a:r>
-            <a:endParaRPr lang="en-US" dirty="0"/>
           </a:p>
         </p:txBody>
       </p:sp>
@@ -3497,7 +3460,7 @@
           <p:nvPr/>
         </p:nvPicPr>
         <p:blipFill>
-          <a:blip r:embed="rId11"/>
+          <a:blip r:embed="rId12"/>
           <a:srcRect l="40428" r="3663" b="147"/>
           <a:stretch>
             <a:fillRect/>
@@ -3505,7 +3468,7 @@
         </p:blipFill>
         <p:spPr>
           <a:xfrm>
-            <a:off x="5282565" y="67310"/>
+            <a:off x="4821598" y="43390"/>
             <a:ext cx="2284730" cy="3073400"/>
           </a:xfrm>
           <a:prstGeom prst="rect">
@@ -3521,7 +3484,7 @@
         </p:nvSpPr>
         <p:spPr>
           <a:xfrm>
-            <a:off x="5282565" y="3243580"/>
+            <a:off x="5022797" y="3220374"/>
             <a:ext cx="2284730" cy="368300"/>
           </a:xfrm>
           <a:prstGeom prst="rect">
@@ -3539,7 +3502,77 @@
               <a:rPr lang="en-US" dirty="0"/>
               <a:t>Ahmed Mohammed</a:t>
             </a:r>
-            <a:endParaRPr lang="en-US" dirty="0"/>
+          </a:p>
+        </p:txBody>
+      </p:sp>
+      <p:pic>
+        <p:nvPicPr>
+          <p:cNvPr id="19" name="Picture 18" descr="A person smiling for a selfie&#10;&#10;AI-generated content may be incorrect.">
+            <a:extLst>
+              <a:ext uri="{FF2B5EF4-FFF2-40B4-BE49-F238E27FC236}">
+                <a16:creationId xmlns:a16="http://schemas.microsoft.com/office/drawing/2014/main" id="{B650B8CB-5B5D-3F2E-AFEF-DECA5DD940FB}"/>
+              </a:ext>
+            </a:extLst>
+          </p:cNvPr>
+          <p:cNvPicPr>
+            <a:picLocks noChangeAspect="1"/>
+          </p:cNvPicPr>
+          <p:nvPr/>
+        </p:nvPicPr>
+        <p:blipFill>
+          <a:blip r:embed="rId13" cstate="print">
+            <a:extLst>
+              <a:ext uri="{28A0092B-C50C-407E-A947-70E740481C1C}">
+                <a14:useLocalDpi xmlns:a14="http://schemas.microsoft.com/office/drawing/2010/main" val="0"/>
+              </a:ext>
+            </a:extLst>
+          </a:blip>
+          <a:stretch>
+            <a:fillRect/>
+          </a:stretch>
+        </p:blipFill>
+        <p:spPr>
+          <a:xfrm>
+            <a:off x="7303751" y="43390"/>
+            <a:ext cx="2203612" cy="3050265"/>
+          </a:xfrm>
+          <a:prstGeom prst="rect">
+            <a:avLst/>
+          </a:prstGeom>
+        </p:spPr>
+      </p:pic>
+      <p:sp>
+        <p:nvSpPr>
+          <p:cNvPr id="22" name="TextBox 21">
+            <a:extLst>
+              <a:ext uri="{FF2B5EF4-FFF2-40B4-BE49-F238E27FC236}">
+                <a16:creationId xmlns:a16="http://schemas.microsoft.com/office/drawing/2014/main" id="{716536AA-D69E-48B5-CBAB-E2D78A76460F}"/>
+              </a:ext>
+            </a:extLst>
+          </p:cNvPr>
+          <p:cNvSpPr txBox="1"/>
+          <p:nvPr/>
+        </p:nvSpPr>
+        <p:spPr>
+          <a:xfrm>
+            <a:off x="7599732" y="3224222"/>
+            <a:ext cx="1611649" cy="368300"/>
+          </a:xfrm>
+          <a:prstGeom prst="rect">
+            <a:avLst/>
+          </a:prstGeom>
+          <a:noFill/>
+        </p:spPr>
+        <p:txBody>
+          <a:bodyPr wrap="square" rtlCol="0">
+            <a:spAutoFit/>
+          </a:bodyPr>
+          <a:lstStyle/>
+          <a:p>
+            <a:r>
+              <a:rPr lang="en-US" dirty="0"/>
+              <a:t>Jeffrey Chong</a:t>
+            </a:r>
           </a:p>
         </p:txBody>
       </p:sp>
@@ -3552,37 +3585,37 @@
 </file>
 
 <file path=ppt/tags/tag1.xml><?xml version="1.0" encoding="utf-8"?>
-<p:tagLst xmlns:p="http://schemas.openxmlformats.org/presentationml/2006/main">
+<p:tagLst xmlns:a="http://schemas.openxmlformats.org/drawingml/2006/main" xmlns:r="http://schemas.openxmlformats.org/officeDocument/2006/relationships" xmlns:p="http://schemas.openxmlformats.org/presentationml/2006/main">
   <p:tag name="KSO_WM_DIAGRAM_VIRTUALLY_FRAME" val="{&quot;height&quot;:277.3918897637795,&quot;left&quot;:6.97740157480315,&quot;top&quot;:7.089606299212598,&quot;width&quot;:946.0451968503937}"/>
 </p:tagLst>
 </file>
 
 <file path=ppt/tags/tag2.xml><?xml version="1.0" encoding="utf-8"?>
-<p:tagLst xmlns:p="http://schemas.openxmlformats.org/presentationml/2006/main">
+<p:tagLst xmlns:a="http://schemas.openxmlformats.org/drawingml/2006/main" xmlns:r="http://schemas.openxmlformats.org/officeDocument/2006/relationships" xmlns:p="http://schemas.openxmlformats.org/presentationml/2006/main">
   <p:tag name="KSO_WM_DIAGRAM_VIRTUALLY_FRAME" val="{&quot;height&quot;:277.3918897637795,&quot;left&quot;:6.97740157480315,&quot;top&quot;:7.089606299212598,&quot;width&quot;:946.0451968503937}"/>
 </p:tagLst>
 </file>
 
 <file path=ppt/tags/tag3.xml><?xml version="1.0" encoding="utf-8"?>
-<p:tagLst xmlns:p="http://schemas.openxmlformats.org/presentationml/2006/main">
+<p:tagLst xmlns:a="http://schemas.openxmlformats.org/drawingml/2006/main" xmlns:r="http://schemas.openxmlformats.org/officeDocument/2006/relationships" xmlns:p="http://schemas.openxmlformats.org/presentationml/2006/main">
   <p:tag name="KSO_WM_DIAGRAM_VIRTUALLY_FRAME" val="{&quot;height&quot;:277.3918897637795,&quot;left&quot;:6.97740157480315,&quot;top&quot;:7.089606299212598,&quot;width&quot;:946.0451968503937}"/>
 </p:tagLst>
 </file>
 
 <file path=ppt/tags/tag4.xml><?xml version="1.0" encoding="utf-8"?>
-<p:tagLst xmlns:p="http://schemas.openxmlformats.org/presentationml/2006/main">
+<p:tagLst xmlns:a="http://schemas.openxmlformats.org/drawingml/2006/main" xmlns:r="http://schemas.openxmlformats.org/officeDocument/2006/relationships" xmlns:p="http://schemas.openxmlformats.org/presentationml/2006/main">
   <p:tag name="KSO_WM_DIAGRAM_VIRTUALLY_FRAME" val="{&quot;height&quot;:277.3918897637795,&quot;left&quot;:6.97740157480315,&quot;top&quot;:7.089606299212598,&quot;width&quot;:946.0451968503937}"/>
 </p:tagLst>
 </file>
 
 <file path=ppt/tags/tag5.xml><?xml version="1.0" encoding="utf-8"?>
-<p:tagLst xmlns:p="http://schemas.openxmlformats.org/presentationml/2006/main">
+<p:tagLst xmlns:a="http://schemas.openxmlformats.org/drawingml/2006/main" xmlns:r="http://schemas.openxmlformats.org/officeDocument/2006/relationships" xmlns:p="http://schemas.openxmlformats.org/presentationml/2006/main">
   <p:tag name="KSO_WM_DIAGRAM_VIRTUALLY_FRAME" val="{&quot;height&quot;:277.3918897637795,&quot;left&quot;:6.97740157480315,&quot;top&quot;:7.089606299212598,&quot;width&quot;:946.0451968503937}"/>
 </p:tagLst>
 </file>
 
 <file path=ppt/tags/tag6.xml><?xml version="1.0" encoding="utf-8"?>
-<p:tagLst xmlns:p="http://schemas.openxmlformats.org/presentationml/2006/main">
+<p:tagLst xmlns:a="http://schemas.openxmlformats.org/drawingml/2006/main" xmlns:r="http://schemas.openxmlformats.org/officeDocument/2006/relationships" xmlns:p="http://schemas.openxmlformats.org/presentationml/2006/main">
   <p:tag name="KSO_WM_DIAGRAM_VIRTUALLY_FRAME" val="{&quot;height&quot;:277.3918897637795,&quot;left&quot;:6.97740157480315,&quot;top&quot;:7.089606299212598,&quot;width&quot;:946.0451968503937}"/>
 </p:tagLst>
 </file>
@@ -3778,6 +3811,8 @@
       </a:bgFillStyleLst>
     </a:fmtScheme>
   </a:themeElements>
+  <a:objectDefaults/>
+  <a:extraClrSchemeLst/>
   <a:extLst>
     <a:ext uri="{05A4C25C-085E-4340-85A3-A5531E510DB2}">
       <thm15:themeFamily xmlns:thm15="http://schemas.microsoft.com/office/thememl/2012/main" name="Office Theme" id="{62F939B6-93AF-4DB8-9C6B-D6C7DFDC589F}" vid="{4A3C46E8-61CC-4603-A589-7422A47A8E4A}"/>
